--- a/data/marketing/prezentacije/002_marketinsko_okruzenje.pptx
+++ b/data/marketing/prezentacije/002_marketinsko_okruzenje.pptx
@@ -5298,9 +5298,18 @@
   <p:clrMapOvr>
     <a:masterClrMapping/>
   </p:clrMapOvr>
-  <p:transition>
-    <p:fade/>
-  </p:transition>
+  <mc:AlternateContent xmlns:mc="http://schemas.openxmlformats.org/markup-compatibility/2006">
+    <mc:Choice xmlns:p14="http://schemas.microsoft.com/office/powerpoint/2010/main" Requires="p14">
+      <p:transition>
+        <p14:reveal/>
+      </p:transition>
+    </mc:Choice>
+    <mc:Fallback>
+      <p:transition>
+        <p:fade/>
+      </p:transition>
+    </mc:Fallback>
+  </mc:AlternateContent>
   <p:timing>
     <p:tnLst>
       <p:par>
@@ -6149,9 +6158,18 @@
   <p:clrMapOvr>
     <a:masterClrMapping/>
   </p:clrMapOvr>
-  <p:transition>
-    <p:fade/>
-  </p:transition>
+  <mc:AlternateContent xmlns:mc="http://schemas.openxmlformats.org/markup-compatibility/2006">
+    <mc:Choice xmlns:p14="http://schemas.microsoft.com/office/powerpoint/2010/main" Requires="p14">
+      <p:transition>
+        <p14:reveal/>
+      </p:transition>
+    </mc:Choice>
+    <mc:Fallback>
+      <p:transition>
+        <p:fade/>
+      </p:transition>
+    </mc:Fallback>
+  </mc:AlternateContent>
   <p:timing>
     <p:tnLst>
       <p:par>
@@ -6859,9 +6877,18 @@
   <p:clrMapOvr>
     <a:masterClrMapping/>
   </p:clrMapOvr>
-  <p:transition>
-    <p:fade/>
-  </p:transition>
+  <mc:AlternateContent xmlns:mc="http://schemas.openxmlformats.org/markup-compatibility/2006">
+    <mc:Choice xmlns:p14="http://schemas.microsoft.com/office/powerpoint/2010/main" Requires="p14">
+      <p:transition>
+        <p14:reveal/>
+      </p:transition>
+    </mc:Choice>
+    <mc:Fallback>
+      <p:transition>
+        <p:fade/>
+      </p:transition>
+    </mc:Fallback>
+  </mc:AlternateContent>
   <p:timing>
     <p:tnLst>
       <p:par>
@@ -7232,9 +7259,18 @@
   <p:clrMapOvr>
     <a:masterClrMapping/>
   </p:clrMapOvr>
-  <p:transition>
-    <p:fade/>
-  </p:transition>
+  <mc:AlternateContent xmlns:mc="http://schemas.openxmlformats.org/markup-compatibility/2006">
+    <mc:Choice xmlns:p14="http://schemas.microsoft.com/office/powerpoint/2010/main" Requires="p14">
+      <p:transition>
+        <p14:reveal/>
+      </p:transition>
+    </mc:Choice>
+    <mc:Fallback>
+      <p:transition>
+        <p:fade/>
+      </p:transition>
+    </mc:Fallback>
+  </mc:AlternateContent>
   <p:timing>
     <p:tnLst>
       <p:par>
@@ -8207,9 +8243,18 @@
   <p:clrMapOvr>
     <a:masterClrMapping/>
   </p:clrMapOvr>
-  <p:transition>
-    <p:fade/>
-  </p:transition>
+  <mc:AlternateContent xmlns:mc="http://schemas.openxmlformats.org/markup-compatibility/2006">
+    <mc:Choice xmlns:p14="http://schemas.microsoft.com/office/powerpoint/2010/main" Requires="p14">
+      <p:transition>
+        <p14:reveal/>
+      </p:transition>
+    </mc:Choice>
+    <mc:Fallback>
+      <p:transition>
+        <p:fade/>
+      </p:transition>
+    </mc:Fallback>
+  </mc:AlternateContent>
   <p:timing>
     <p:tnLst>
       <p:par>
@@ -9256,9 +9301,18 @@
   <p:clrMapOvr>
     <a:masterClrMapping/>
   </p:clrMapOvr>
-  <p:transition>
-    <p:fade/>
-  </p:transition>
+  <mc:AlternateContent xmlns:mc="http://schemas.openxmlformats.org/markup-compatibility/2006">
+    <mc:Choice xmlns:p14="http://schemas.microsoft.com/office/powerpoint/2010/main" Requires="p14">
+      <p:transition>
+        <p14:reveal/>
+      </p:transition>
+    </mc:Choice>
+    <mc:Fallback>
+      <p:transition>
+        <p:fade/>
+      </p:transition>
+    </mc:Fallback>
+  </mc:AlternateContent>
   <p:timing>
     <p:tnLst>
       <p:par>
@@ -9765,9 +9819,18 @@
   <p:clrMapOvr>
     <a:masterClrMapping/>
   </p:clrMapOvr>
-  <p:transition>
-    <p:fade/>
-  </p:transition>
+  <mc:AlternateContent xmlns:mc="http://schemas.openxmlformats.org/markup-compatibility/2006">
+    <mc:Choice xmlns:p14="http://schemas.microsoft.com/office/powerpoint/2010/main" Requires="p14">
+      <p:transition>
+        <p14:reveal/>
+      </p:transition>
+    </mc:Choice>
+    <mc:Fallback>
+      <p:transition>
+        <p:fade/>
+      </p:transition>
+    </mc:Fallback>
+  </mc:AlternateContent>
   <p:timing>
     <p:tnLst>
       <p:par>
@@ -10470,9 +10533,18 @@
   <p:clrMapOvr>
     <a:masterClrMapping/>
   </p:clrMapOvr>
-  <p:transition>
-    <p:fade/>
-  </p:transition>
+  <mc:AlternateContent xmlns:mc="http://schemas.openxmlformats.org/markup-compatibility/2006">
+    <mc:Choice xmlns:p14="http://schemas.microsoft.com/office/powerpoint/2010/main" Requires="p14">
+      <p:transition>
+        <p14:reveal/>
+      </p:transition>
+    </mc:Choice>
+    <mc:Fallback>
+      <p:transition>
+        <p:fade/>
+      </p:transition>
+    </mc:Fallback>
+  </mc:AlternateContent>
   <p:timing>
     <p:tnLst>
       <p:par>
@@ -10838,9 +10910,18 @@
   <p:clrMapOvr>
     <a:masterClrMapping/>
   </p:clrMapOvr>
-  <p:transition>
-    <p:fade/>
-  </p:transition>
+  <mc:AlternateContent xmlns:mc="http://schemas.openxmlformats.org/markup-compatibility/2006">
+    <mc:Choice xmlns:p14="http://schemas.microsoft.com/office/powerpoint/2010/main" Requires="p14">
+      <p:transition>
+        <p14:reveal/>
+      </p:transition>
+    </mc:Choice>
+    <mc:Fallback>
+      <p:transition>
+        <p:fade/>
+      </p:transition>
+    </mc:Fallback>
+  </mc:AlternateContent>
   <p:timing>
     <p:tnLst>
       <p:par>
@@ -11173,9 +11254,18 @@
   <p:clrMapOvr>
     <a:masterClrMapping/>
   </p:clrMapOvr>
-  <p:transition>
-    <p:fade/>
-  </p:transition>
+  <mc:AlternateContent xmlns:mc="http://schemas.openxmlformats.org/markup-compatibility/2006">
+    <mc:Choice xmlns:p14="http://schemas.microsoft.com/office/powerpoint/2010/main" Requires="p14">
+      <p:transition>
+        <p14:reveal/>
+      </p:transition>
+    </mc:Choice>
+    <mc:Fallback>
+      <p:transition>
+        <p:fade/>
+      </p:transition>
+    </mc:Fallback>
+  </mc:AlternateContent>
   <p:timing>
     <p:tnLst>
       <p:par>
@@ -11725,9 +11815,18 @@
   <p:clrMapOvr>
     <a:masterClrMapping/>
   </p:clrMapOvr>
-  <p:transition>
-    <p:fade/>
-  </p:transition>
+  <mc:AlternateContent xmlns:mc="http://schemas.openxmlformats.org/markup-compatibility/2006">
+    <mc:Choice xmlns:p14="http://schemas.microsoft.com/office/powerpoint/2010/main" Requires="p14">
+      <p:transition>
+        <p14:reveal/>
+      </p:transition>
+    </mc:Choice>
+    <mc:Fallback>
+      <p:transition>
+        <p:fade/>
+      </p:transition>
+    </mc:Fallback>
+  </mc:AlternateContent>
   <p:timing>
     <p:tnLst>
       <p:par>
@@ -12524,9 +12623,18 @@
   <p:clrMapOvr>
     <a:masterClrMapping/>
   </p:clrMapOvr>
-  <p:transition>
-    <p:fade/>
-  </p:transition>
+  <mc:AlternateContent xmlns:mc="http://schemas.openxmlformats.org/markup-compatibility/2006">
+    <mc:Choice xmlns:p14="http://schemas.microsoft.com/office/powerpoint/2010/main" Requires="p14">
+      <p:transition>
+        <p14:reveal/>
+      </p:transition>
+    </mc:Choice>
+    <mc:Fallback>
+      <p:transition>
+        <p:fade/>
+      </p:transition>
+    </mc:Fallback>
+  </mc:AlternateContent>
   <p:timing>
     <p:tnLst>
       <p:par>
@@ -13166,9 +13274,18 @@
   <p:clrMapOvr>
     <a:masterClrMapping/>
   </p:clrMapOvr>
-  <p:transition>
-    <p:fade/>
-  </p:transition>
+  <mc:AlternateContent xmlns:mc="http://schemas.openxmlformats.org/markup-compatibility/2006">
+    <mc:Choice xmlns:p14="http://schemas.microsoft.com/office/powerpoint/2010/main" Requires="p14">
+      <p:transition>
+        <p14:reveal/>
+      </p:transition>
+    </mc:Choice>
+    <mc:Fallback>
+      <p:transition>
+        <p:fade/>
+      </p:transition>
+    </mc:Fallback>
+  </mc:AlternateContent>
   <p:timing>
     <p:tnLst>
       <p:par>
@@ -13808,9 +13925,18 @@
   <p:clrMapOvr>
     <a:masterClrMapping/>
   </p:clrMapOvr>
-  <p:transition>
-    <p:fade/>
-  </p:transition>
+  <mc:AlternateContent xmlns:mc="http://schemas.openxmlformats.org/markup-compatibility/2006">
+    <mc:Choice xmlns:p14="http://schemas.microsoft.com/office/powerpoint/2010/main" Requires="p14">
+      <p:transition>
+        <p14:reveal/>
+      </p:transition>
+    </mc:Choice>
+    <mc:Fallback>
+      <p:transition>
+        <p:fade/>
+      </p:transition>
+    </mc:Fallback>
+  </mc:AlternateContent>
   <p:timing>
     <p:tnLst>
       <p:par>
@@ -15554,9 +15680,18 @@
   <p:clrMapOvr>
     <a:masterClrMapping/>
   </p:clrMapOvr>
-  <p:transition>
-    <p:fade/>
-  </p:transition>
+  <mc:AlternateContent xmlns:mc="http://schemas.openxmlformats.org/markup-compatibility/2006">
+    <mc:Choice xmlns:p14="http://schemas.microsoft.com/office/powerpoint/2010/main" Requires="p14">
+      <p:transition>
+        <p14:reveal/>
+      </p:transition>
+    </mc:Choice>
+    <mc:Fallback>
+      <p:transition>
+        <p:fade/>
+      </p:transition>
+    </mc:Fallback>
+  </mc:AlternateContent>
   <p:timing>
     <p:tnLst>
       <p:par>
@@ -16726,9 +16861,18 @@
   <p:clrMapOvr>
     <a:masterClrMapping/>
   </p:clrMapOvr>
-  <p:transition>
-    <p:fade/>
-  </p:transition>
+  <mc:AlternateContent xmlns:mc="http://schemas.openxmlformats.org/markup-compatibility/2006">
+    <mc:Choice xmlns:p14="http://schemas.microsoft.com/office/powerpoint/2010/main" Requires="p14">
+      <p:transition>
+        <p14:reveal/>
+      </p:transition>
+    </mc:Choice>
+    <mc:Fallback>
+      <p:transition>
+        <p:fade/>
+      </p:transition>
+    </mc:Fallback>
+  </mc:AlternateContent>
   <p:timing>
     <p:tnLst>
       <p:par>
@@ -17871,9 +18015,18 @@
   <p:clrMapOvr>
     <a:masterClrMapping/>
   </p:clrMapOvr>
-  <p:transition>
-    <p:fade/>
-  </p:transition>
+  <mc:AlternateContent xmlns:mc="http://schemas.openxmlformats.org/markup-compatibility/2006">
+    <mc:Choice xmlns:p14="http://schemas.microsoft.com/office/powerpoint/2010/main" Requires="p14">
+      <p:transition>
+        <p14:reveal/>
+      </p:transition>
+    </mc:Choice>
+    <mc:Fallback>
+      <p:transition>
+        <p:fade/>
+      </p:transition>
+    </mc:Fallback>
+  </mc:AlternateContent>
   <p:timing>
     <p:tnLst>
       <p:par>
@@ -18234,9 +18387,18 @@
   <p:clrMapOvr>
     <a:masterClrMapping/>
   </p:clrMapOvr>
-  <p:transition>
-    <p:fade/>
-  </p:transition>
+  <mc:AlternateContent xmlns:mc="http://schemas.openxmlformats.org/markup-compatibility/2006">
+    <mc:Choice xmlns:p14="http://schemas.microsoft.com/office/powerpoint/2010/main" Requires="p14">
+      <p:transition>
+        <p14:reveal/>
+      </p:transition>
+    </mc:Choice>
+    <mc:Fallback>
+      <p:transition>
+        <p:fade/>
+      </p:transition>
+    </mc:Fallback>
+  </mc:AlternateContent>
   <p:timing>
     <p:tnLst>
       <p:par>
@@ -18977,9 +19139,18 @@
   <p:clrMapOvr>
     <a:masterClrMapping/>
   </p:clrMapOvr>
-  <p:transition>
-    <p:fade/>
-  </p:transition>
+  <mc:AlternateContent xmlns:mc="http://schemas.openxmlformats.org/markup-compatibility/2006">
+    <mc:Choice xmlns:p14="http://schemas.microsoft.com/office/powerpoint/2010/main" Requires="p14">
+      <p:transition>
+        <p14:reveal/>
+      </p:transition>
+    </mc:Choice>
+    <mc:Fallback>
+      <p:transition>
+        <p:fade/>
+      </p:transition>
+    </mc:Fallback>
+  </mc:AlternateContent>
   <p:timing>
     <p:tnLst>
       <p:par>
@@ -19809,9 +19980,18 @@
   <p:clrMapOvr>
     <a:masterClrMapping/>
   </p:clrMapOvr>
-  <p:transition>
-    <p:fade/>
-  </p:transition>
+  <mc:AlternateContent xmlns:mc="http://schemas.openxmlformats.org/markup-compatibility/2006">
+    <mc:Choice xmlns:p14="http://schemas.microsoft.com/office/powerpoint/2010/main" Requires="p14">
+      <p:transition>
+        <p14:reveal/>
+      </p:transition>
+    </mc:Choice>
+    <mc:Fallback>
+      <p:transition>
+        <p:fade/>
+      </p:transition>
+    </mc:Fallback>
+  </mc:AlternateContent>
   <p:timing>
     <p:tnLst>
       <p:par>
@@ -20060,9 +20240,18 @@
   <p:clrMapOvr>
     <a:masterClrMapping/>
   </p:clrMapOvr>
-  <p:transition>
-    <p:fade/>
-  </p:transition>
+  <mc:AlternateContent xmlns:mc="http://schemas.openxmlformats.org/markup-compatibility/2006">
+    <mc:Choice xmlns:p14="http://schemas.microsoft.com/office/powerpoint/2010/main" Requires="p14">
+      <p:transition>
+        <p14:reveal/>
+      </p:transition>
+    </mc:Choice>
+    <mc:Fallback>
+      <p:transition>
+        <p:fade/>
+      </p:transition>
+    </mc:Fallback>
+  </mc:AlternateContent>
   <p:timing>
     <p:tnLst>
       <p:par>
@@ -20645,8 +20834,8 @@
   </p:clrMapOvr>
   <mc:AlternateContent xmlns:mc="http://schemas.openxmlformats.org/markup-compatibility/2006">
     <mc:Choice xmlns:p14="http://schemas.microsoft.com/office/powerpoint/2010/main" Requires="p14">
-      <p:transition p14:dur="250">
-        <p:fade/>
+      <p:transition>
+        <p14:reveal/>
       </p:transition>
     </mc:Choice>
     <mc:Fallback>
@@ -21697,9 +21886,18 @@
   <p:clrMapOvr>
     <a:masterClrMapping/>
   </p:clrMapOvr>
-  <p:transition>
-    <p:fade/>
-  </p:transition>
+  <mc:AlternateContent xmlns:mc="http://schemas.openxmlformats.org/markup-compatibility/2006">
+    <mc:Choice xmlns:p14="http://schemas.microsoft.com/office/powerpoint/2010/main" Requires="p14">
+      <p:transition>
+        <p14:reveal/>
+      </p:transition>
+    </mc:Choice>
+    <mc:Fallback>
+      <p:transition>
+        <p:fade/>
+      </p:transition>
+    </mc:Fallback>
+  </mc:AlternateContent>
   <p:timing>
     <p:tnLst>
       <p:par>
@@ -22091,9 +22289,18 @@
   <p:clrMapOvr>
     <a:masterClrMapping/>
   </p:clrMapOvr>
-  <p:transition>
-    <p:fade/>
-  </p:transition>
+  <mc:AlternateContent xmlns:mc="http://schemas.openxmlformats.org/markup-compatibility/2006">
+    <mc:Choice xmlns:p14="http://schemas.microsoft.com/office/powerpoint/2010/main" Requires="p14">
+      <p:transition>
+        <p14:reveal/>
+      </p:transition>
+    </mc:Choice>
+    <mc:Fallback>
+      <p:transition>
+        <p:fade/>
+      </p:transition>
+    </mc:Fallback>
+  </mc:AlternateContent>
   <p:timing>
     <p:tnLst>
       <p:par>
@@ -22548,8 +22755,8 @@
   </p:clrMapOvr>
   <mc:AlternateContent xmlns:mc="http://schemas.openxmlformats.org/markup-compatibility/2006">
     <mc:Choice xmlns:p14="http://schemas.microsoft.com/office/powerpoint/2010/main" Requires="p14">
-      <p:transition p14:dur="250">
-        <p:fade/>
+      <p:transition>
+        <p14:reveal/>
       </p:transition>
     </mc:Choice>
     <mc:Fallback>
@@ -23023,9 +23230,18 @@
   <p:clrMapOvr>
     <a:masterClrMapping/>
   </p:clrMapOvr>
-  <p:transition>
-    <p:fade/>
-  </p:transition>
+  <mc:AlternateContent xmlns:mc="http://schemas.openxmlformats.org/markup-compatibility/2006">
+    <mc:Choice xmlns:p14="http://schemas.microsoft.com/office/powerpoint/2010/main" Requires="p14">
+      <p:transition>
+        <p14:reveal/>
+      </p:transition>
+    </mc:Choice>
+    <mc:Fallback>
+      <p:transition>
+        <p:fade/>
+      </p:transition>
+    </mc:Fallback>
+  </mc:AlternateContent>
   <p:timing>
     <p:tnLst>
       <p:par>
@@ -23089,9 +23305,18 @@
   <p:clrMapOvr>
     <a:masterClrMapping/>
   </p:clrMapOvr>
-  <p:transition>
-    <p:fade/>
-  </p:transition>
+  <mc:AlternateContent xmlns:mc="http://schemas.openxmlformats.org/markup-compatibility/2006">
+    <mc:Choice xmlns:p14="http://schemas.microsoft.com/office/powerpoint/2010/main" Requires="p14">
+      <p:transition>
+        <p14:reveal/>
+      </p:transition>
+    </mc:Choice>
+    <mc:Fallback>
+      <p:transition>
+        <p:fade/>
+      </p:transition>
+    </mc:Fallback>
+  </mc:AlternateContent>
   <p:timing>
     <p:tnLst>
       <p:par>
@@ -23158,10 +23383,14 @@
   </p:clrMapOvr>
   <mc:AlternateContent xmlns:mc="http://schemas.openxmlformats.org/markup-compatibility/2006">
     <mc:Choice xmlns:p14="http://schemas.microsoft.com/office/powerpoint/2010/main" Requires="p14">
-      <p:transition spd="slow" p14:dur="2000"/>
+      <p:transition>
+        <p14:reveal/>
+      </p:transition>
     </mc:Choice>
     <mc:Fallback>
-      <p:transition spd="slow"/>
+      <p:transition>
+        <p:fade/>
+      </p:transition>
     </mc:Fallback>
   </mc:AlternateContent>
   <p:timing>
@@ -23679,8 +23908,8 @@
   </p:clrMapOvr>
   <mc:AlternateContent xmlns:mc="http://schemas.openxmlformats.org/markup-compatibility/2006">
     <mc:Choice xmlns:p14="http://schemas.microsoft.com/office/powerpoint/2010/main" Requires="p14">
-      <p:transition p14:dur="250">
-        <p:fade/>
+      <p:transition>
+        <p14:reveal/>
       </p:transition>
     </mc:Choice>
     <mc:Fallback>
@@ -25192,8 +25421,8 @@
   </p:clrMapOvr>
   <mc:AlternateContent xmlns:mc="http://schemas.openxmlformats.org/markup-compatibility/2006">
     <mc:Choice xmlns:p14="http://schemas.microsoft.com/office/powerpoint/2010/main" Requires="p14">
-      <p:transition p14:dur="250">
-        <p:fade/>
+      <p:transition>
+        <p14:reveal/>
       </p:transition>
     </mc:Choice>
     <mc:Fallback>
@@ -27083,8 +27312,8 @@
   </p:clrMapOvr>
   <mc:AlternateContent xmlns:mc="http://schemas.openxmlformats.org/markup-compatibility/2006">
     <mc:Choice xmlns:p14="http://schemas.microsoft.com/office/powerpoint/2010/main" Requires="p14">
-      <p:transition p14:dur="250">
-        <p:fade/>
+      <p:transition>
+        <p14:reveal/>
       </p:transition>
     </mc:Choice>
     <mc:Fallback>
@@ -28097,8 +28326,8 @@
   </p:clrMapOvr>
   <mc:AlternateContent xmlns:mc="http://schemas.openxmlformats.org/markup-compatibility/2006">
     <mc:Choice xmlns:p14="http://schemas.microsoft.com/office/powerpoint/2010/main" Requires="p14">
-      <p:transition p14:dur="250">
-        <p:fade/>
+      <p:transition>
+        <p14:reveal/>
       </p:transition>
     </mc:Choice>
     <mc:Fallback>
@@ -29323,8 +29552,8 @@
   </p:clrMapOvr>
   <mc:AlternateContent xmlns:mc="http://schemas.openxmlformats.org/markup-compatibility/2006">
     <mc:Choice xmlns:p14="http://schemas.microsoft.com/office/powerpoint/2010/main" Requires="p14">
-      <p:transition p14:dur="250">
-        <p:fade/>
+      <p:transition>
+        <p14:reveal/>
       </p:transition>
     </mc:Choice>
     <mc:Fallback>
@@ -29946,9 +30175,18 @@
   <p:clrMapOvr>
     <a:masterClrMapping/>
   </p:clrMapOvr>
-  <p:transition>
-    <p:fade/>
-  </p:transition>
+  <mc:AlternateContent xmlns:mc="http://schemas.openxmlformats.org/markup-compatibility/2006">
+    <mc:Choice xmlns:p14="http://schemas.microsoft.com/office/powerpoint/2010/main" Requires="p14">
+      <p:transition>
+        <p14:reveal/>
+      </p:transition>
+    </mc:Choice>
+    <mc:Fallback>
+      <p:transition>
+        <p:fade/>
+      </p:transition>
+    </mc:Fallback>
+  </mc:AlternateContent>
   <p:timing>
     <p:tnLst>
       <p:par>
@@ -31089,9 +31327,18 @@
   <p:clrMapOvr>
     <a:masterClrMapping/>
   </p:clrMapOvr>
-  <p:transition>
-    <p:fade/>
-  </p:transition>
+  <mc:AlternateContent xmlns:mc="http://schemas.openxmlformats.org/markup-compatibility/2006">
+    <mc:Choice xmlns:p14="http://schemas.microsoft.com/office/powerpoint/2010/main" Requires="p14">
+      <p:transition>
+        <p14:reveal/>
+      </p:transition>
+    </mc:Choice>
+    <mc:Fallback>
+      <p:transition>
+        <p:fade/>
+      </p:transition>
+    </mc:Fallback>
+  </mc:AlternateContent>
   <p:timing>
     <p:tnLst>
       <p:par>
@@ -32044,9 +32291,18 @@
   <p:clrMapOvr>
     <a:masterClrMapping/>
   </p:clrMapOvr>
-  <p:transition>
-    <p:fade/>
-  </p:transition>
+  <mc:AlternateContent xmlns:mc="http://schemas.openxmlformats.org/markup-compatibility/2006">
+    <mc:Choice xmlns:p14="http://schemas.microsoft.com/office/powerpoint/2010/main" Requires="p14">
+      <p:transition>
+        <p14:reveal/>
+      </p:transition>
+    </mc:Choice>
+    <mc:Fallback>
+      <p:transition>
+        <p:fade/>
+      </p:transition>
+    </mc:Fallback>
+  </mc:AlternateContent>
   <p:timing>
     <p:tnLst>
       <p:par>
@@ -33566,9 +33822,18 @@
   <p:clrMapOvr>
     <a:masterClrMapping/>
   </p:clrMapOvr>
-  <p:transition>
-    <p:fade/>
-  </p:transition>
+  <mc:AlternateContent xmlns:mc="http://schemas.openxmlformats.org/markup-compatibility/2006">
+    <mc:Choice xmlns:p14="http://schemas.microsoft.com/office/powerpoint/2010/main" Requires="p14">
+      <p:transition>
+        <p14:reveal/>
+      </p:transition>
+    </mc:Choice>
+    <mc:Fallback>
+      <p:transition>
+        <p:fade/>
+      </p:transition>
+    </mc:Fallback>
+  </mc:AlternateContent>
   <p:timing>
     <p:tnLst>
       <p:par>
@@ -35305,9 +35570,18 @@
   <p:clrMapOvr>
     <a:masterClrMapping/>
   </p:clrMapOvr>
-  <p:transition>
-    <p:fade/>
-  </p:transition>
+  <mc:AlternateContent xmlns:mc="http://schemas.openxmlformats.org/markup-compatibility/2006">
+    <mc:Choice xmlns:p14="http://schemas.microsoft.com/office/powerpoint/2010/main" Requires="p14">
+      <p:transition>
+        <p14:reveal/>
+      </p:transition>
+    </mc:Choice>
+    <mc:Fallback>
+      <p:transition>
+        <p:fade/>
+      </p:transition>
+    </mc:Fallback>
+  </mc:AlternateContent>
   <p:timing>
     <p:tnLst>
       <p:par>
@@ -36493,9 +36767,18 @@
   <p:clrMapOvr>
     <a:masterClrMapping/>
   </p:clrMapOvr>
-  <p:transition>
-    <p:fade/>
-  </p:transition>
+  <mc:AlternateContent xmlns:mc="http://schemas.openxmlformats.org/markup-compatibility/2006">
+    <mc:Choice xmlns:p14="http://schemas.microsoft.com/office/powerpoint/2010/main" Requires="p14">
+      <p:transition>
+        <p14:reveal/>
+      </p:transition>
+    </mc:Choice>
+    <mc:Fallback>
+      <p:transition>
+        <p:fade/>
+      </p:transition>
+    </mc:Fallback>
+  </mc:AlternateContent>
   <p:timing>
     <p:tnLst>
       <p:par>
@@ -36996,9 +37279,18 @@
   <p:clrMapOvr>
     <a:masterClrMapping/>
   </p:clrMapOvr>
-  <p:transition>
-    <p:fade/>
-  </p:transition>
+  <mc:AlternateContent xmlns:mc="http://schemas.openxmlformats.org/markup-compatibility/2006">
+    <mc:Choice xmlns:p14="http://schemas.microsoft.com/office/powerpoint/2010/main" Requires="p14">
+      <p:transition>
+        <p14:reveal/>
+      </p:transition>
+    </mc:Choice>
+    <mc:Fallback>
+      <p:transition>
+        <p:fade/>
+      </p:transition>
+    </mc:Fallback>
+  </mc:AlternateContent>
   <p:timing>
     <p:tnLst>
       <p:par>
@@ -37821,9 +38113,18 @@
   <p:clrMapOvr>
     <a:masterClrMapping/>
   </p:clrMapOvr>
-  <p:transition>
-    <p:fade/>
-  </p:transition>
+  <mc:AlternateContent xmlns:mc="http://schemas.openxmlformats.org/markup-compatibility/2006">
+    <mc:Choice xmlns:p14="http://schemas.microsoft.com/office/powerpoint/2010/main" Requires="p14">
+      <p:transition>
+        <p14:reveal/>
+      </p:transition>
+    </mc:Choice>
+    <mc:Fallback>
+      <p:transition>
+        <p:fade/>
+      </p:transition>
+    </mc:Fallback>
+  </mc:AlternateContent>
   <p:timing>
     <p:tnLst>
       <p:par>
@@ -39107,9 +39408,18 @@
   <p:clrMapOvr>
     <a:masterClrMapping/>
   </p:clrMapOvr>
-  <p:transition>
-    <p:fade/>
-  </p:transition>
+  <mc:AlternateContent xmlns:mc="http://schemas.openxmlformats.org/markup-compatibility/2006">
+    <mc:Choice xmlns:p14="http://schemas.microsoft.com/office/powerpoint/2010/main" Requires="p14">
+      <p:transition>
+        <p14:reveal/>
+      </p:transition>
+    </mc:Choice>
+    <mc:Fallback>
+      <p:transition>
+        <p:fade/>
+      </p:transition>
+    </mc:Fallback>
+  </mc:AlternateContent>
   <p:timing>
     <p:tnLst>
       <p:par>

--- a/data/marketing/prezentacije/002_marketinsko_okruzenje.pptx
+++ b/data/marketing/prezentacije/002_marketinsko_okruzenje.pptx
@@ -293,7 +293,7 @@
               <a:pPr>
                 <a:defRPr/>
               </a:pPr>
-              <a:t>11.8.2019.</a:t>
+              <a:t>4.11.2019.</a:t>
             </a:fld>
             <a:endParaRPr lang="hr-HR" dirty="0"/>
           </a:p>
@@ -512,7 +512,7 @@
               <a:pPr>
                 <a:defRPr/>
               </a:pPr>
-              <a:t>11.8.2019.</a:t>
+              <a:t>4.11.2019.</a:t>
             </a:fld>
             <a:endParaRPr lang="hr-HR" dirty="0"/>
           </a:p>
@@ -922,7 +922,43 @@
             </a:r>
             <a:r>
               <a:rPr lang="vi-VN" dirty="0" smtClean="0"/>
-              <a:t> ugovor s restoranima ARC da vode njegove restorane. Ovi i drugi hoteli dovode renomirane restorane u svoje prostore da bi stvorili vrijednost za svoje goste i kako bi goste restorana upoznali s hotelom. Izmještanje djelatnosti vezanih uz hranu i piće omogućuje hotelu da se koncentrira na smještaj dok stručnjacima za hranu i piće prepuštaju bavljenje tim područjem u okrilju hotela. Na papiru ovo izgleda odlično, a i u stvarnom životu često dobro funkcionira. Međutim, izmještanje nije jednostavno kao sto možda izgleda. Rad kavane važan je poslovnim klijentima. Zapravo u fokusnim su nam grupama poslovni ljudi rekli da je ključni čimbenik u odabiru hotela često činjenica ima li hotel kavanu pogodnu za poslovne sastanke. Problem za neke hotele koji su unajmili neke djelatnosti od elitnijih tvrtki jest da menadžeri boljih restorana često nisu zainteresirani za rad kavana i usluga posluživanja u sobu pa ove djelatnosti iz tog razloga često trpe. Drugi je problem što unajmljivanje restoranskih usluga ograničava korištenje hotelskog prostora putem ugovora o najmu. To se može javiti kao problem kada hotel odluči preurediti i promijeniti izgled zajedničkih prostorija. Kada se gost hotela na recepciji požali na lošu restoransku uslugu, odgovor da hotel ne upravlja restoranom nije prihvatljiv. Stoga je potrebno da se programi obnavljanja usluga dogovore između restorana i hotela. Kao i bilo koji drugi dobavljač, dobavljači hrane i pića za hotel trebaju biti pomno odabrani.</a:t>
+              <a:t> ugovor s restoranima ARC da vode njegove restorane. </a:t>
+            </a:r>
+            <a:r>
+              <a:rPr lang="vi-VN" b="1" dirty="0" smtClean="0"/>
+              <a:t>Ovi i drugi hoteli dovode renomirane restorane u svoje prostore da bi stvorili vrijednost za svoje goste i kako bi goste restorana upoznali s hotelom</a:t>
+            </a:r>
+            <a:r>
+              <a:rPr lang="vi-VN" dirty="0" smtClean="0"/>
+              <a:t>. Izmještanje djelatnosti vezanih uz hranu i piće omogućuje hotelu da se koncentrira na smještaj dok stručnjacima za hranu i piće prepuštaju bavljenje tim područjem u okrilju hotela. Na papiru ovo izgleda odlično, a i u stvarnom životu često dobro funkcionira. Međutim, izmještanje nije jednostavno kao sto možda izgleda. Rad kavane važan je poslovnim klijentima. Zapravo u fokusnim su nam grupama poslovni ljudi rekli da je ključni čimbenik u odabiru hotela često činjenica ima li hotel kavanu pogodnu za poslovne sastanke. </a:t>
+            </a:r>
+            <a:r>
+              <a:rPr lang="vi-VN" b="1" dirty="0" smtClean="0"/>
+              <a:t>Problem za neke hotele koji su unajmili neke djelatnosti od elitnijih tvrtki jest da menadžeri boljih restorana često nisu zainteresirani za rad kavana i usluga posluživanja u sobu pa ove djelatnosti iz tog razloga često trpe</a:t>
+            </a:r>
+            <a:r>
+              <a:rPr lang="vi-VN" dirty="0" smtClean="0"/>
+              <a:t>. Drugi je problem što unajmljivanje restoranskih usluga ograničava korištenje hotelskog prostora putem ugovora o najmu. To se može javiti kao problem kada hotel odluči preurediti i promijeniti izgled zajedničkih prostorija</a:t>
+            </a:r>
+            <a:r>
+              <a:rPr lang="vi-VN" dirty="0" smtClean="0">
+                <a:solidFill>
+                  <a:srgbClr val="C00000"/>
+                </a:solidFill>
+              </a:rPr>
+              <a:t>. </a:t>
+            </a:r>
+            <a:r>
+              <a:rPr lang="vi-VN" b="1" dirty="0" smtClean="0">
+                <a:solidFill>
+                  <a:srgbClr val="C00000"/>
+                </a:solidFill>
+              </a:rPr>
+              <a:t>Kada se gost hotela na recepciji požali na lošu restoransku uslugu, odgovor da hotel ne upravlja restoranom nije prihvatljiv</a:t>
+            </a:r>
+            <a:r>
+              <a:rPr lang="vi-VN" dirty="0" smtClean="0"/>
+              <a:t>. Stoga je potrebno da se programi obnavljanja usluga dogovore između restorana i hotela. Kao i bilo koji drugi dobavljač, dobavljači hrane i pića za hotel trebaju biti pomno odabrani.</a:t>
             </a:r>
           </a:p>
         </p:txBody>
@@ -5156,7 +5192,7 @@
               <a:buClr>
                 <a:srgbClr val="F9F9F9"/>
               </a:buClr>
-              <a:buSzPct val="65000"/>
+              <a:buSzPct val="100000"/>
               <a:buFont typeface="Calibri" pitchFamily="34" charset="0"/>
               <a:buChar char="−"/>
               <a:tabLst/>
@@ -5193,7 +5229,7 @@
               <a:buClr>
                 <a:srgbClr val="F9F9F9"/>
               </a:buClr>
-              <a:buSzPct val="65000"/>
+              <a:buSzPct val="100000"/>
               <a:buFont typeface="Calibri" pitchFamily="34" charset="0"/>
               <a:buChar char="−"/>
               <a:tabLst/>
@@ -5221,7 +5257,7 @@
               <a:buClr>
                 <a:srgbClr val="F9F9F9"/>
               </a:buClr>
-              <a:buSzPct val="65000"/>
+              <a:buSzPct val="100000"/>
               <a:buFont typeface="Calibri" pitchFamily="34" charset="0"/>
               <a:buChar char="−"/>
               <a:tabLst/>
@@ -5249,7 +5285,7 @@
               <a:buClr>
                 <a:srgbClr val="F9F9F9"/>
               </a:buClr>
-              <a:buSzPct val="65000"/>
+              <a:buSzPct val="100000"/>
               <a:buFont typeface="Calibri" pitchFamily="34" charset="0"/>
               <a:buChar char="−"/>
               <a:tabLst/>
@@ -5277,7 +5313,7 @@
               <a:buClr>
                 <a:srgbClr val="F9F9F9"/>
               </a:buClr>
-              <a:buSzPct val="65000"/>
+              <a:buSzPct val="100000"/>
               <a:buFont typeface="Calibri" pitchFamily="34" charset="0"/>
               <a:buChar char="−"/>
               <a:tabLst/>
@@ -5298,13 +5334,13 @@
   <p:clrMapOvr>
     <a:masterClrMapping/>
   </p:clrMapOvr>
-  <mc:AlternateContent xmlns:mc="http://schemas.openxmlformats.org/markup-compatibility/2006">
-    <mc:Choice xmlns:p14="http://schemas.microsoft.com/office/powerpoint/2010/main" Requires="p14">
+  <mc:AlternateContent xmlns:mc="http://schemas.openxmlformats.org/markup-compatibility/2006" xmlns:p14="http://schemas.microsoft.com/office/powerpoint/2010/main">
+    <mc:Choice Requires="p14">
       <p:transition>
         <p14:reveal/>
       </p:transition>
     </mc:Choice>
-    <mc:Fallback>
+    <mc:Fallback xmlns="">
       <p:transition>
         <p:fade/>
       </p:transition>
@@ -6158,13 +6194,13 @@
   <p:clrMapOvr>
     <a:masterClrMapping/>
   </p:clrMapOvr>
-  <mc:AlternateContent xmlns:mc="http://schemas.openxmlformats.org/markup-compatibility/2006">
-    <mc:Choice xmlns:p14="http://schemas.microsoft.com/office/powerpoint/2010/main" Requires="p14">
+  <mc:AlternateContent xmlns:mc="http://schemas.openxmlformats.org/markup-compatibility/2006" xmlns:p14="http://schemas.microsoft.com/office/powerpoint/2010/main">
+    <mc:Choice Requires="p14">
       <p:transition>
         <p14:reveal/>
       </p:transition>
     </mc:Choice>
-    <mc:Fallback>
+    <mc:Fallback xmlns="">
       <p:transition>
         <p:fade/>
       </p:transition>
@@ -6173,136 +6209,9 @@
   <p:timing>
     <p:tnLst>
       <p:par>
-        <p:cTn id="1" dur="indefinite" restart="never" nodeType="tmRoot">
-          <p:childTnLst>
-            <p:seq concurrent="1" nextAc="seek">
-              <p:cTn id="2" dur="indefinite" nodeType="mainSeq">
-                <p:childTnLst>
-                  <p:par>
-                    <p:cTn id="3" fill="hold">
-                      <p:stCondLst>
-                        <p:cond delay="indefinite"/>
-                        <p:cond evt="onBegin" delay="0">
-                          <p:tn val="2"/>
-                        </p:cond>
-                      </p:stCondLst>
-                      <p:childTnLst>
-                        <p:par>
-                          <p:cTn id="4" fill="hold">
-                            <p:stCondLst>
-                              <p:cond delay="0"/>
-                            </p:stCondLst>
-                            <p:childTnLst>
-                              <p:par>
-                                <p:cTn id="5" presetID="10" presetClass="entr" presetSubtype="0" fill="hold" grpId="0" nodeType="afterEffect">
-                                  <p:stCondLst>
-                                    <p:cond delay="0"/>
-                                  </p:stCondLst>
-                                  <p:childTnLst>
-                                    <p:set>
-                                      <p:cBhvr>
-                                        <p:cTn id="6" dur="1" fill="hold">
-                                          <p:stCondLst>
-                                            <p:cond delay="0"/>
-                                          </p:stCondLst>
-                                        </p:cTn>
-                                        <p:tgtEl>
-                                          <p:spTgt spid="23"/>
-                                        </p:tgtEl>
-                                        <p:attrNameLst>
-                                          <p:attrName>style.visibility</p:attrName>
-                                        </p:attrNameLst>
-                                      </p:cBhvr>
-                                      <p:to>
-                                        <p:strVal val="visible"/>
-                                      </p:to>
-                                    </p:set>
-                                    <p:animEffect transition="in" filter="fade">
-                                      <p:cBhvr>
-                                        <p:cTn id="7" dur="250"/>
-                                        <p:tgtEl>
-                                          <p:spTgt spid="23"/>
-                                        </p:tgtEl>
-                                      </p:cBhvr>
-                                    </p:animEffect>
-                                  </p:childTnLst>
-                                </p:cTn>
-                              </p:par>
-                            </p:childTnLst>
-                          </p:cTn>
-                        </p:par>
-                        <p:par>
-                          <p:cTn id="8" fill="hold">
-                            <p:stCondLst>
-                              <p:cond delay="250"/>
-                            </p:stCondLst>
-                            <p:childTnLst>
-                              <p:par>
-                                <p:cTn id="9" presetID="10" presetClass="entr" presetSubtype="0" fill="hold" grpId="0" nodeType="afterEffect">
-                                  <p:stCondLst>
-                                    <p:cond delay="0"/>
-                                  </p:stCondLst>
-                                  <p:childTnLst>
-                                    <p:set>
-                                      <p:cBhvr>
-                                        <p:cTn id="10" dur="1" fill="hold">
-                                          <p:stCondLst>
-                                            <p:cond delay="0"/>
-                                          </p:stCondLst>
-                                        </p:cTn>
-                                        <p:tgtEl>
-                                          <p:spTgt spid="2"/>
-                                        </p:tgtEl>
-                                        <p:attrNameLst>
-                                          <p:attrName>style.visibility</p:attrName>
-                                        </p:attrNameLst>
-                                      </p:cBhvr>
-                                      <p:to>
-                                        <p:strVal val="visible"/>
-                                      </p:to>
-                                    </p:set>
-                                    <p:animEffect transition="in" filter="fade">
-                                      <p:cBhvr>
-                                        <p:cTn id="11" dur="250"/>
-                                        <p:tgtEl>
-                                          <p:spTgt spid="2"/>
-                                        </p:tgtEl>
-                                      </p:cBhvr>
-                                    </p:animEffect>
-                                  </p:childTnLst>
-                                </p:cTn>
-                              </p:par>
-                            </p:childTnLst>
-                          </p:cTn>
-                        </p:par>
-                      </p:childTnLst>
-                    </p:cTn>
-                  </p:par>
-                </p:childTnLst>
-              </p:cTn>
-              <p:prevCondLst>
-                <p:cond evt="onPrev" delay="0">
-                  <p:tgtEl>
-                    <p:sldTgt/>
-                  </p:tgtEl>
-                </p:cond>
-              </p:prevCondLst>
-              <p:nextCondLst>
-                <p:cond evt="onNext" delay="0">
-                  <p:tgtEl>
-                    <p:sldTgt/>
-                  </p:tgtEl>
-                </p:cond>
-              </p:nextCondLst>
-            </p:seq>
-          </p:childTnLst>
-        </p:cTn>
+        <p:cTn id="1" dur="indefinite" restart="never" nodeType="tmRoot"/>
       </p:par>
     </p:tnLst>
-    <p:bldLst>
-      <p:bldP spid="23" grpId="0"/>
-      <p:bldP spid="2" grpId="0"/>
-    </p:bldLst>
   </p:timing>
 </p:sld>
 </file>
@@ -6877,13 +6786,13 @@
   <p:clrMapOvr>
     <a:masterClrMapping/>
   </p:clrMapOvr>
-  <mc:AlternateContent xmlns:mc="http://schemas.openxmlformats.org/markup-compatibility/2006">
-    <mc:Choice xmlns:p14="http://schemas.microsoft.com/office/powerpoint/2010/main" Requires="p14">
+  <mc:AlternateContent xmlns:mc="http://schemas.openxmlformats.org/markup-compatibility/2006" xmlns:p14="http://schemas.microsoft.com/office/powerpoint/2010/main">
+    <mc:Choice Requires="p14">
       <p:transition>
         <p14:reveal/>
       </p:transition>
     </mc:Choice>
-    <mc:Fallback>
+    <mc:Fallback xmlns="">
       <p:transition>
         <p:fade/>
       </p:transition>
@@ -6892,91 +6801,9 @@
   <p:timing>
     <p:tnLst>
       <p:par>
-        <p:cTn id="1" dur="indefinite" restart="never" nodeType="tmRoot">
-          <p:childTnLst>
-            <p:seq concurrent="1" nextAc="seek">
-              <p:cTn id="2" dur="indefinite" nodeType="mainSeq">
-                <p:childTnLst>
-                  <p:par>
-                    <p:cTn id="3" fill="hold">
-                      <p:stCondLst>
-                        <p:cond delay="indefinite"/>
-                        <p:cond evt="onBegin" delay="0">
-                          <p:tn val="2"/>
-                        </p:cond>
-                      </p:stCondLst>
-                      <p:childTnLst>
-                        <p:par>
-                          <p:cTn id="4" fill="hold">
-                            <p:stCondLst>
-                              <p:cond delay="0"/>
-                            </p:stCondLst>
-                            <p:childTnLst>
-                              <p:par>
-                                <p:cTn id="5" presetID="10" presetClass="entr" presetSubtype="0" fill="hold" grpId="0" nodeType="afterEffect">
-                                  <p:stCondLst>
-                                    <p:cond delay="0"/>
-                                  </p:stCondLst>
-                                  <p:childTnLst>
-                                    <p:set>
-                                      <p:cBhvr>
-                                        <p:cTn id="6" dur="1" fill="hold">
-                                          <p:stCondLst>
-                                            <p:cond delay="0"/>
-                                          </p:stCondLst>
-                                        </p:cTn>
-                                        <p:tgtEl>
-                                          <p:spTgt spid="23"/>
-                                        </p:tgtEl>
-                                        <p:attrNameLst>
-                                          <p:attrName>style.visibility</p:attrName>
-                                        </p:attrNameLst>
-                                      </p:cBhvr>
-                                      <p:to>
-                                        <p:strVal val="visible"/>
-                                      </p:to>
-                                    </p:set>
-                                    <p:animEffect transition="in" filter="fade">
-                                      <p:cBhvr>
-                                        <p:cTn id="7" dur="250"/>
-                                        <p:tgtEl>
-                                          <p:spTgt spid="23"/>
-                                        </p:tgtEl>
-                                      </p:cBhvr>
-                                    </p:animEffect>
-                                  </p:childTnLst>
-                                </p:cTn>
-                              </p:par>
-                            </p:childTnLst>
-                          </p:cTn>
-                        </p:par>
-                      </p:childTnLst>
-                    </p:cTn>
-                  </p:par>
-                </p:childTnLst>
-              </p:cTn>
-              <p:prevCondLst>
-                <p:cond evt="onPrev" delay="0">
-                  <p:tgtEl>
-                    <p:sldTgt/>
-                  </p:tgtEl>
-                </p:cond>
-              </p:prevCondLst>
-              <p:nextCondLst>
-                <p:cond evt="onNext" delay="0">
-                  <p:tgtEl>
-                    <p:sldTgt/>
-                  </p:tgtEl>
-                </p:cond>
-              </p:nextCondLst>
-            </p:seq>
-          </p:childTnLst>
-        </p:cTn>
+        <p:cTn id="1" dur="indefinite" restart="never" nodeType="tmRoot"/>
       </p:par>
     </p:tnLst>
-    <p:bldLst>
-      <p:bldP spid="23" grpId="0"/>
-    </p:bldLst>
   </p:timing>
 </p:sld>
 </file>
@@ -7259,13 +7086,13 @@
   <p:clrMapOvr>
     <a:masterClrMapping/>
   </p:clrMapOvr>
-  <mc:AlternateContent xmlns:mc="http://schemas.openxmlformats.org/markup-compatibility/2006">
-    <mc:Choice xmlns:p14="http://schemas.microsoft.com/office/powerpoint/2010/main" Requires="p14">
+  <mc:AlternateContent xmlns:mc="http://schemas.openxmlformats.org/markup-compatibility/2006" xmlns:p14="http://schemas.microsoft.com/office/powerpoint/2010/main">
+    <mc:Choice Requires="p14">
       <p:transition>
         <p14:reveal/>
       </p:transition>
     </mc:Choice>
-    <mc:Fallback>
+    <mc:Fallback xmlns="">
       <p:transition>
         <p:fade/>
       </p:transition>
@@ -8243,13 +8070,13 @@
   <p:clrMapOvr>
     <a:masterClrMapping/>
   </p:clrMapOvr>
-  <mc:AlternateContent xmlns:mc="http://schemas.openxmlformats.org/markup-compatibility/2006">
-    <mc:Choice xmlns:p14="http://schemas.microsoft.com/office/powerpoint/2010/main" Requires="p14">
+  <mc:AlternateContent xmlns:mc="http://schemas.openxmlformats.org/markup-compatibility/2006" xmlns:p14="http://schemas.microsoft.com/office/powerpoint/2010/main">
+    <mc:Choice Requires="p14">
       <p:transition>
         <p14:reveal/>
       </p:transition>
     </mc:Choice>
-    <mc:Fallback>
+    <mc:Fallback xmlns="">
       <p:transition>
         <p:fade/>
       </p:transition>
@@ -9301,13 +9128,13 @@
   <p:clrMapOvr>
     <a:masterClrMapping/>
   </p:clrMapOvr>
-  <mc:AlternateContent xmlns:mc="http://schemas.openxmlformats.org/markup-compatibility/2006">
-    <mc:Choice xmlns:p14="http://schemas.microsoft.com/office/powerpoint/2010/main" Requires="p14">
+  <mc:AlternateContent xmlns:mc="http://schemas.openxmlformats.org/markup-compatibility/2006" xmlns:p14="http://schemas.microsoft.com/office/powerpoint/2010/main">
+    <mc:Choice Requires="p14">
       <p:transition>
         <p14:reveal/>
       </p:transition>
     </mc:Choice>
-    <mc:Fallback>
+    <mc:Fallback xmlns="">
       <p:transition>
         <p:fade/>
       </p:transition>
@@ -9819,13 +9646,13 @@
   <p:clrMapOvr>
     <a:masterClrMapping/>
   </p:clrMapOvr>
-  <mc:AlternateContent xmlns:mc="http://schemas.openxmlformats.org/markup-compatibility/2006">
-    <mc:Choice xmlns:p14="http://schemas.microsoft.com/office/powerpoint/2010/main" Requires="p14">
+  <mc:AlternateContent xmlns:mc="http://schemas.openxmlformats.org/markup-compatibility/2006" xmlns:p14="http://schemas.microsoft.com/office/powerpoint/2010/main">
+    <mc:Choice Requires="p14">
       <p:transition>
         <p14:reveal/>
       </p:transition>
     </mc:Choice>
-    <mc:Fallback>
+    <mc:Fallback xmlns="">
       <p:transition>
         <p:fade/>
       </p:transition>
@@ -10533,13 +10360,13 @@
   <p:clrMapOvr>
     <a:masterClrMapping/>
   </p:clrMapOvr>
-  <mc:AlternateContent xmlns:mc="http://schemas.openxmlformats.org/markup-compatibility/2006">
-    <mc:Choice xmlns:p14="http://schemas.microsoft.com/office/powerpoint/2010/main" Requires="p14">
+  <mc:AlternateContent xmlns:mc="http://schemas.openxmlformats.org/markup-compatibility/2006" xmlns:p14="http://schemas.microsoft.com/office/powerpoint/2010/main">
+    <mc:Choice Requires="p14">
       <p:transition>
         <p14:reveal/>
       </p:transition>
     </mc:Choice>
-    <mc:Fallback>
+    <mc:Fallback xmlns="">
       <p:transition>
         <p:fade/>
       </p:transition>
@@ -10910,13 +10737,13 @@
   <p:clrMapOvr>
     <a:masterClrMapping/>
   </p:clrMapOvr>
-  <mc:AlternateContent xmlns:mc="http://schemas.openxmlformats.org/markup-compatibility/2006">
-    <mc:Choice xmlns:p14="http://schemas.microsoft.com/office/powerpoint/2010/main" Requires="p14">
+  <mc:AlternateContent xmlns:mc="http://schemas.openxmlformats.org/markup-compatibility/2006" xmlns:p14="http://schemas.microsoft.com/office/powerpoint/2010/main">
+    <mc:Choice Requires="p14">
       <p:transition>
         <p14:reveal/>
       </p:transition>
     </mc:Choice>
-    <mc:Fallback>
+    <mc:Fallback xmlns="">
       <p:transition>
         <p:fade/>
       </p:transition>
@@ -11254,13 +11081,13 @@
   <p:clrMapOvr>
     <a:masterClrMapping/>
   </p:clrMapOvr>
-  <mc:AlternateContent xmlns:mc="http://schemas.openxmlformats.org/markup-compatibility/2006">
-    <mc:Choice xmlns:p14="http://schemas.microsoft.com/office/powerpoint/2010/main" Requires="p14">
+  <mc:AlternateContent xmlns:mc="http://schemas.openxmlformats.org/markup-compatibility/2006" xmlns:p14="http://schemas.microsoft.com/office/powerpoint/2010/main">
+    <mc:Choice Requires="p14">
       <p:transition>
         <p14:reveal/>
       </p:transition>
     </mc:Choice>
-    <mc:Fallback>
+    <mc:Fallback xmlns="">
       <p:transition>
         <p:fade/>
       </p:transition>
@@ -11815,13 +11642,13 @@
   <p:clrMapOvr>
     <a:masterClrMapping/>
   </p:clrMapOvr>
-  <mc:AlternateContent xmlns:mc="http://schemas.openxmlformats.org/markup-compatibility/2006">
-    <mc:Choice xmlns:p14="http://schemas.microsoft.com/office/powerpoint/2010/main" Requires="p14">
+  <mc:AlternateContent xmlns:mc="http://schemas.openxmlformats.org/markup-compatibility/2006" xmlns:p14="http://schemas.microsoft.com/office/powerpoint/2010/main">
+    <mc:Choice Requires="p14">
       <p:transition>
         <p14:reveal/>
       </p:transition>
     </mc:Choice>
-    <mc:Fallback>
+    <mc:Fallback xmlns="">
       <p:transition>
         <p:fade/>
       </p:transition>
@@ -12213,7 +12040,7 @@
           <a:bodyPr/>
           <a:lstStyle/>
           <a:p>
-            <a:pPr>
+            <a:pPr marL="216000" indent="0">
               <a:spcBef>
                 <a:spcPts val="1800"/>
               </a:spcBef>
@@ -12298,7 +12125,33 @@
                   </a:outerShdw>
                 </a:effectLst>
               </a:rPr>
-              <a:t> koji utječu na sposobnost tvrtke da razvije i zadrži uspješne odnose sa svojim klijentima</a:t>
+              <a:t> koji </a:t>
+            </a:r>
+            <a:r>
+              <a:rPr lang="hr-HR" dirty="0">
+                <a:solidFill>
+                  <a:schemeClr val="bg1"/>
+                </a:solidFill>
+                <a:highlight>
+                  <a:srgbClr val="FFFF00"/>
+                </a:highlight>
+                <a:latin typeface="Calibri"/>
+                <a:ea typeface="Calibri"/>
+                <a:cs typeface="Times New Roman"/>
+              </a:rPr>
+              <a:t>utječu na sposobnost tvrtke</a:t>
+            </a:r>
+            <a:r>
+              <a:rPr lang="hr-HR" dirty="0" smtClean="0">
+                <a:effectLst>
+                  <a:outerShdw blurRad="38100" dist="38100" dir="2700000" algn="tl">
+                    <a:srgbClr val="000000">
+                      <a:alpha val="43137"/>
+                    </a:srgbClr>
+                  </a:outerShdw>
+                </a:effectLst>
+              </a:rPr>
+              <a:t> da razvije i zadrži uspješne odnose sa svojim klijentima</a:t>
             </a:r>
           </a:p>
           <a:p>
@@ -12306,6 +12159,7 @@
               <a:spcBef>
                 <a:spcPts val="2400"/>
               </a:spcBef>
+              <a:buSzPct val="100000"/>
               <a:buFont typeface="Arial" charset="0"/>
               <a:buChar char="−"/>
             </a:pPr>
@@ -12336,6 +12190,7 @@
               <a:spcBef>
                 <a:spcPts val="1800"/>
               </a:spcBef>
+              <a:buSzPct val="100000"/>
               <a:buFont typeface="Arial" charset="0"/>
               <a:buChar char="−"/>
             </a:pPr>
@@ -12458,7 +12313,7 @@
               </a:spcBef>
             </a:pPr>
             <a:r>
-              <a:rPr lang="hr-HR" b="1" dirty="0" smtClean="0">
+              <a:rPr lang="hr-HR" sz="3200" b="1" dirty="0" smtClean="0">
                 <a:solidFill>
                   <a:srgbClr val="FFC000"/>
                 </a:solidFill>
@@ -12470,10 +12325,10 @@
                   </a:outerShdw>
                 </a:effectLst>
               </a:rPr>
-              <a:t>mikrookruženje</a:t>
-            </a:r>
-            <a:r>
-              <a:rPr lang="hr-HR" dirty="0" smtClean="0">
+              <a:t>MIKROOKRUŽENJE</a:t>
+            </a:r>
+            <a:r>
+              <a:rPr lang="hr-HR" sz="3200" dirty="0" smtClean="0">
                 <a:effectLst>
                   <a:outerShdw blurRad="38100" dist="38100" dir="2700000" algn="tl">
                     <a:srgbClr val="000000">
@@ -12482,13 +12337,10 @@
                   </a:outerShdw>
                 </a:effectLst>
               </a:rPr>
-              <a:t> čine čimbenici na koje tvrtka </a:t>
-            </a:r>
-            <a:r>
-              <a:rPr lang="hr-HR" b="1" dirty="0" smtClean="0">
-                <a:solidFill>
-                  <a:srgbClr val="FFC000"/>
-                </a:solidFill>
+              <a:t> </a:t>
+            </a:r>
+            <a:r>
+              <a:rPr lang="hr-HR" sz="2400" dirty="0" smtClean="0">
                 <a:effectLst>
                   <a:outerShdw blurRad="38100" dist="38100" dir="2700000" algn="tl">
                     <a:srgbClr val="000000">
@@ -12497,10 +12349,10 @@
                   </a:outerShdw>
                 </a:effectLst>
               </a:rPr>
-              <a:t>može utjecati </a:t>
-            </a:r>
-            <a:r>
-              <a:rPr lang="hr-HR" dirty="0" smtClean="0">
+              <a:t>čine </a:t>
+            </a:r>
+            <a:r>
+              <a:rPr lang="hr-HR" sz="2400" dirty="0" smtClean="0">
                 <a:effectLst>
                   <a:outerShdw blurRad="38100" dist="38100" dir="2700000" algn="tl">
                     <a:srgbClr val="000000">
@@ -12509,13 +12361,24 @@
                   </a:outerShdw>
                 </a:effectLst>
               </a:rPr>
-              <a:t>i na koje </a:t>
-            </a:r>
-            <a:r>
-              <a:rPr lang="hr-HR" b="1" dirty="0" smtClean="0">
-                <a:solidFill>
-                  <a:srgbClr val="FFC000"/>
-                </a:solidFill>
+              <a:t>čimbenici na koje tvrtka </a:t>
+            </a:r>
+            <a:r>
+              <a:rPr lang="hr-HR" sz="2400" dirty="0">
+                <a:solidFill>
+                  <a:schemeClr val="bg1"/>
+                </a:solidFill>
+                <a:highlight>
+                  <a:srgbClr val="FFFF00"/>
+                </a:highlight>
+                <a:latin typeface="Calibri"/>
+                <a:ea typeface="Calibri"/>
+                <a:cs typeface="Times New Roman"/>
+              </a:rPr>
+              <a:t>može utjecati i na koje utječe</a:t>
+            </a:r>
+            <a:r>
+              <a:rPr lang="hr-HR" sz="2400" dirty="0" smtClean="0">
                 <a:effectLst>
                   <a:outerShdw blurRad="38100" dist="38100" dir="2700000" algn="tl">
                     <a:srgbClr val="000000">
@@ -12524,10 +12387,13 @@
                   </a:outerShdw>
                 </a:effectLst>
               </a:rPr>
-              <a:t>utječe</a:t>
-            </a:r>
-            <a:r>
-              <a:rPr lang="hr-HR" dirty="0" smtClean="0">
+              <a:t>, dok na sile </a:t>
+            </a:r>
+            <a:r>
+              <a:rPr lang="hr-HR" sz="3200" b="1" dirty="0" smtClean="0">
+                <a:solidFill>
+                  <a:srgbClr val="FFC000"/>
+                </a:solidFill>
                 <a:effectLst>
                   <a:outerShdw blurRad="38100" dist="38100" dir="2700000" algn="tl">
                     <a:srgbClr val="000000">
@@ -12536,10 +12402,10 @@
                   </a:outerShdw>
                 </a:effectLst>
               </a:rPr>
-              <a:t>, dok na sile </a:t>
-            </a:r>
-            <a:r>
-              <a:rPr lang="hr-HR" b="1" dirty="0" smtClean="0">
+              <a:t>MAKROOKRUŽENJA</a:t>
+            </a:r>
+            <a:r>
+              <a:rPr lang="hr-HR" sz="2400" b="1" dirty="0" smtClean="0">
                 <a:solidFill>
                   <a:srgbClr val="FFC000"/>
                 </a:solidFill>
@@ -12551,10 +12417,41 @@
                   </a:outerShdw>
                 </a:effectLst>
               </a:rPr>
-              <a:t>makrookruženja ne može utjecati </a:t>
-            </a:r>
-            <a:r>
-              <a:rPr lang="hr-HR" dirty="0" smtClean="0">
+              <a:t> </a:t>
+            </a:r>
+            <a:r>
+              <a:rPr lang="hr-HR" sz="2400" dirty="0" smtClean="0">
+                <a:solidFill>
+                  <a:schemeClr val="bg1"/>
+                </a:solidFill>
+                <a:highlight>
+                  <a:srgbClr val="FFFF00"/>
+                </a:highlight>
+                <a:latin typeface="Calibri"/>
+                <a:ea typeface="Calibri"/>
+                <a:cs typeface="Times New Roman"/>
+              </a:rPr>
+              <a:t>ne </a:t>
+            </a:r>
+            <a:r>
+              <a:rPr lang="hr-HR" sz="2400" dirty="0">
+                <a:solidFill>
+                  <a:schemeClr val="bg1"/>
+                </a:solidFill>
+                <a:highlight>
+                  <a:srgbClr val="FFFF00"/>
+                </a:highlight>
+                <a:latin typeface="Calibri"/>
+                <a:ea typeface="Calibri"/>
+                <a:cs typeface="Times New Roman"/>
+              </a:rPr>
+              <a:t>može utjecati</a:t>
+            </a:r>
+            <a:r>
+              <a:rPr lang="hr-HR" sz="2400" b="1" dirty="0" smtClean="0">
+                <a:solidFill>
+                  <a:srgbClr val="FFC000"/>
+                </a:solidFill>
                 <a:effectLst>
                   <a:outerShdw blurRad="38100" dist="38100" dir="2700000" algn="tl">
                     <a:srgbClr val="000000">
@@ -12563,13 +12460,10 @@
                   </a:outerShdw>
                 </a:effectLst>
               </a:rPr>
-              <a:t>već im se </a:t>
-            </a:r>
-            <a:r>
-              <a:rPr lang="hr-HR" b="1" dirty="0" smtClean="0">
-                <a:solidFill>
-                  <a:srgbClr val="FFC000"/>
-                </a:solidFill>
+              <a:t> </a:t>
+            </a:r>
+            <a:r>
+              <a:rPr lang="hr-HR" sz="2400" dirty="0" smtClean="0">
                 <a:effectLst>
                   <a:outerShdw blurRad="38100" dist="38100" dir="2700000" algn="tl">
                     <a:srgbClr val="000000">
@@ -12578,19 +12472,32 @@
                   </a:outerShdw>
                 </a:effectLst>
               </a:rPr>
+              <a:t>već im se </a:t>
+            </a:r>
+            <a:r>
+              <a:rPr lang="hr-HR" sz="2400" dirty="0">
+                <a:solidFill>
+                  <a:schemeClr val="bg1"/>
+                </a:solidFill>
+                <a:highlight>
+                  <a:srgbClr val="FFFF00"/>
+                </a:highlight>
+                <a:latin typeface="Calibri"/>
+                <a:ea typeface="Calibri"/>
+                <a:cs typeface="Times New Roman"/>
+              </a:rPr>
               <a:t>prilagođava</a:t>
             </a:r>
-            <a:endParaRPr lang="hr-HR" b="1" dirty="0">
+            <a:endParaRPr lang="hr-HR" sz="2400" dirty="0">
               <a:solidFill>
-                <a:srgbClr val="FFC000"/>
+                <a:schemeClr val="bg1"/>
               </a:solidFill>
-              <a:effectLst>
-                <a:outerShdw blurRad="38100" dist="38100" dir="2700000" algn="tl">
-                  <a:srgbClr val="000000">
-                    <a:alpha val="43137"/>
-                  </a:srgbClr>
-                </a:outerShdw>
-              </a:effectLst>
+              <a:highlight>
+                <a:srgbClr val="FFFF00"/>
+              </a:highlight>
+              <a:latin typeface="Calibri"/>
+              <a:ea typeface="Calibri"/>
+              <a:cs typeface="Times New Roman"/>
             </a:endParaRPr>
           </a:p>
         </p:txBody>
@@ -12623,13 +12530,13 @@
   <p:clrMapOvr>
     <a:masterClrMapping/>
   </p:clrMapOvr>
-  <mc:AlternateContent xmlns:mc="http://schemas.openxmlformats.org/markup-compatibility/2006">
-    <mc:Choice xmlns:p14="http://schemas.microsoft.com/office/powerpoint/2010/main" Requires="p14">
+  <mc:AlternateContent xmlns:mc="http://schemas.openxmlformats.org/markup-compatibility/2006" xmlns:p14="http://schemas.microsoft.com/office/powerpoint/2010/main">
+    <mc:Choice Requires="p14">
       <p:transition>
         <p14:reveal/>
       </p:transition>
     </mc:Choice>
-    <mc:Fallback>
+    <mc:Fallback xmlns="">
       <p:transition>
         <p:fade/>
       </p:transition>
@@ -12647,6 +12554,9 @@
                     <p:cTn id="3" fill="hold">
                       <p:stCondLst>
                         <p:cond delay="indefinite"/>
+                        <p:cond evt="onBegin" delay="0">
+                          <p:tn val="2"/>
+                        </p:cond>
                       </p:stCondLst>
                       <p:childTnLst>
                         <p:par>
@@ -12656,7 +12566,7 @@
                             </p:stCondLst>
                             <p:childTnLst>
                               <p:par>
-                                <p:cTn id="5" presetID="10" presetClass="entr" presetSubtype="0" fill="hold" grpId="0" nodeType="clickEffect">
+                                <p:cTn id="5" presetID="10" presetClass="entr" presetSubtype="0" fill="hold" grpId="0" nodeType="afterEffect">
                                   <p:stCondLst>
                                     <p:cond delay="0"/>
                                   </p:stCondLst>
@@ -13274,13 +13184,13 @@
   <p:clrMapOvr>
     <a:masterClrMapping/>
   </p:clrMapOvr>
-  <mc:AlternateContent xmlns:mc="http://schemas.openxmlformats.org/markup-compatibility/2006">
-    <mc:Choice xmlns:p14="http://schemas.microsoft.com/office/powerpoint/2010/main" Requires="p14">
+  <mc:AlternateContent xmlns:mc="http://schemas.openxmlformats.org/markup-compatibility/2006" xmlns:p14="http://schemas.microsoft.com/office/powerpoint/2010/main">
+    <mc:Choice Requires="p14">
       <p:transition>
         <p14:reveal/>
       </p:transition>
     </mc:Choice>
-    <mc:Fallback>
+    <mc:Fallback xmlns="">
       <p:transition>
         <p:fade/>
       </p:transition>
@@ -13925,13 +13835,13 @@
   <p:clrMapOvr>
     <a:masterClrMapping/>
   </p:clrMapOvr>
-  <mc:AlternateContent xmlns:mc="http://schemas.openxmlformats.org/markup-compatibility/2006">
-    <mc:Choice xmlns:p14="http://schemas.microsoft.com/office/powerpoint/2010/main" Requires="p14">
+  <mc:AlternateContent xmlns:mc="http://schemas.openxmlformats.org/markup-compatibility/2006" xmlns:p14="http://schemas.microsoft.com/office/powerpoint/2010/main">
+    <mc:Choice Requires="p14">
       <p:transition>
         <p14:reveal/>
       </p:transition>
     </mc:Choice>
-    <mc:Fallback>
+    <mc:Fallback xmlns="">
       <p:transition>
         <p:fade/>
       </p:transition>
@@ -15680,13 +15590,13 @@
   <p:clrMapOvr>
     <a:masterClrMapping/>
   </p:clrMapOvr>
-  <mc:AlternateContent xmlns:mc="http://schemas.openxmlformats.org/markup-compatibility/2006">
-    <mc:Choice xmlns:p14="http://schemas.microsoft.com/office/powerpoint/2010/main" Requires="p14">
+  <mc:AlternateContent xmlns:mc="http://schemas.openxmlformats.org/markup-compatibility/2006" xmlns:p14="http://schemas.microsoft.com/office/powerpoint/2010/main">
+    <mc:Choice Requires="p14">
       <p:transition>
         <p14:reveal/>
       </p:transition>
     </mc:Choice>
-    <mc:Fallback>
+    <mc:Fallback xmlns="">
       <p:transition>
         <p:fade/>
       </p:transition>
@@ -16861,13 +16771,13 @@
   <p:clrMapOvr>
     <a:masterClrMapping/>
   </p:clrMapOvr>
-  <mc:AlternateContent xmlns:mc="http://schemas.openxmlformats.org/markup-compatibility/2006">
-    <mc:Choice xmlns:p14="http://schemas.microsoft.com/office/powerpoint/2010/main" Requires="p14">
+  <mc:AlternateContent xmlns:mc="http://schemas.openxmlformats.org/markup-compatibility/2006" xmlns:p14="http://schemas.microsoft.com/office/powerpoint/2010/main">
+    <mc:Choice Requires="p14">
       <p:transition>
         <p14:reveal/>
       </p:transition>
     </mc:Choice>
-    <mc:Fallback>
+    <mc:Fallback xmlns="">
       <p:transition>
         <p:fade/>
       </p:transition>
@@ -18015,13 +17925,13 @@
   <p:clrMapOvr>
     <a:masterClrMapping/>
   </p:clrMapOvr>
-  <mc:AlternateContent xmlns:mc="http://schemas.openxmlformats.org/markup-compatibility/2006">
-    <mc:Choice xmlns:p14="http://schemas.microsoft.com/office/powerpoint/2010/main" Requires="p14">
+  <mc:AlternateContent xmlns:mc="http://schemas.openxmlformats.org/markup-compatibility/2006" xmlns:p14="http://schemas.microsoft.com/office/powerpoint/2010/main">
+    <mc:Choice Requires="p14">
       <p:transition>
         <p14:reveal/>
       </p:transition>
     </mc:Choice>
-    <mc:Fallback>
+    <mc:Fallback xmlns="">
       <p:transition>
         <p:fade/>
       </p:transition>
@@ -18387,13 +18297,13 @@
   <p:clrMapOvr>
     <a:masterClrMapping/>
   </p:clrMapOvr>
-  <mc:AlternateContent xmlns:mc="http://schemas.openxmlformats.org/markup-compatibility/2006">
-    <mc:Choice xmlns:p14="http://schemas.microsoft.com/office/powerpoint/2010/main" Requires="p14">
+  <mc:AlternateContent xmlns:mc="http://schemas.openxmlformats.org/markup-compatibility/2006" xmlns:p14="http://schemas.microsoft.com/office/powerpoint/2010/main">
+    <mc:Choice Requires="p14">
       <p:transition>
         <p14:reveal/>
       </p:transition>
     </mc:Choice>
-    <mc:Fallback>
+    <mc:Fallback xmlns="">
       <p:transition>
         <p:fade/>
       </p:transition>
@@ -19139,13 +19049,13 @@
   <p:clrMapOvr>
     <a:masterClrMapping/>
   </p:clrMapOvr>
-  <mc:AlternateContent xmlns:mc="http://schemas.openxmlformats.org/markup-compatibility/2006">
-    <mc:Choice xmlns:p14="http://schemas.microsoft.com/office/powerpoint/2010/main" Requires="p14">
+  <mc:AlternateContent xmlns:mc="http://schemas.openxmlformats.org/markup-compatibility/2006" xmlns:p14="http://schemas.microsoft.com/office/powerpoint/2010/main">
+    <mc:Choice Requires="p14">
       <p:transition>
         <p14:reveal/>
       </p:transition>
     </mc:Choice>
-    <mc:Fallback>
+    <mc:Fallback xmlns="">
       <p:transition>
         <p:fade/>
       </p:transition>
@@ -19980,13 +19890,13 @@
   <p:clrMapOvr>
     <a:masterClrMapping/>
   </p:clrMapOvr>
-  <mc:AlternateContent xmlns:mc="http://schemas.openxmlformats.org/markup-compatibility/2006">
-    <mc:Choice xmlns:p14="http://schemas.microsoft.com/office/powerpoint/2010/main" Requires="p14">
+  <mc:AlternateContent xmlns:mc="http://schemas.openxmlformats.org/markup-compatibility/2006" xmlns:p14="http://schemas.microsoft.com/office/powerpoint/2010/main">
+    <mc:Choice Requires="p14">
       <p:transition>
         <p14:reveal/>
       </p:transition>
     </mc:Choice>
-    <mc:Fallback>
+    <mc:Fallback xmlns="">
       <p:transition>
         <p:fade/>
       </p:transition>
@@ -20240,13 +20150,13 @@
   <p:clrMapOvr>
     <a:masterClrMapping/>
   </p:clrMapOvr>
-  <mc:AlternateContent xmlns:mc="http://schemas.openxmlformats.org/markup-compatibility/2006">
-    <mc:Choice xmlns:p14="http://schemas.microsoft.com/office/powerpoint/2010/main" Requires="p14">
+  <mc:AlternateContent xmlns:mc="http://schemas.openxmlformats.org/markup-compatibility/2006" xmlns:p14="http://schemas.microsoft.com/office/powerpoint/2010/main">
+    <mc:Choice Requires="p14">
       <p:transition>
         <p14:reveal/>
       </p:transition>
     </mc:Choice>
-    <mc:Fallback>
+    <mc:Fallback xmlns="">
       <p:transition>
         <p:fade/>
       </p:transition>
@@ -20832,13 +20742,13 @@
   <p:clrMapOvr>
     <a:masterClrMapping/>
   </p:clrMapOvr>
-  <mc:AlternateContent xmlns:mc="http://schemas.openxmlformats.org/markup-compatibility/2006">
-    <mc:Choice xmlns:p14="http://schemas.microsoft.com/office/powerpoint/2010/main" Requires="p14">
+  <mc:AlternateContent xmlns:mc="http://schemas.openxmlformats.org/markup-compatibility/2006" xmlns:p14="http://schemas.microsoft.com/office/powerpoint/2010/main">
+    <mc:Choice Requires="p14">
       <p:transition>
         <p14:reveal/>
       </p:transition>
     </mc:Choice>
-    <mc:Fallback>
+    <mc:Fallback xmlns="">
       <p:transition>
         <p:fade/>
       </p:transition>
@@ -21353,7 +21263,7 @@
             <a:avLst/>
           </a:prstGeom>
           <a:solidFill>
-            <a:srgbClr val="679E2A"/>
+            <a:srgbClr val="008000"/>
           </a:solidFill>
           <a:ln>
             <a:solidFill>
@@ -21886,13 +21796,13 @@
   <p:clrMapOvr>
     <a:masterClrMapping/>
   </p:clrMapOvr>
-  <mc:AlternateContent xmlns:mc="http://schemas.openxmlformats.org/markup-compatibility/2006">
-    <mc:Choice xmlns:p14="http://schemas.microsoft.com/office/powerpoint/2010/main" Requires="p14">
+  <mc:AlternateContent xmlns:mc="http://schemas.openxmlformats.org/markup-compatibility/2006" xmlns:p14="http://schemas.microsoft.com/office/powerpoint/2010/main">
+    <mc:Choice Requires="p14">
       <p:transition>
         <p14:reveal/>
       </p:transition>
     </mc:Choice>
-    <mc:Fallback>
+    <mc:Fallback xmlns="">
       <p:transition>
         <p:fade/>
       </p:transition>
@@ -22289,13 +22199,13 @@
   <p:clrMapOvr>
     <a:masterClrMapping/>
   </p:clrMapOvr>
-  <mc:AlternateContent xmlns:mc="http://schemas.openxmlformats.org/markup-compatibility/2006">
-    <mc:Choice xmlns:p14="http://schemas.microsoft.com/office/powerpoint/2010/main" Requires="p14">
+  <mc:AlternateContent xmlns:mc="http://schemas.openxmlformats.org/markup-compatibility/2006" xmlns:p14="http://schemas.microsoft.com/office/powerpoint/2010/main">
+    <mc:Choice Requires="p14">
       <p:transition>
         <p14:reveal/>
       </p:transition>
     </mc:Choice>
-    <mc:Fallback>
+    <mc:Fallback xmlns="">
       <p:transition>
         <p:fade/>
       </p:transition>
@@ -22753,13 +22663,13 @@
   <p:clrMapOvr>
     <a:masterClrMapping/>
   </p:clrMapOvr>
-  <mc:AlternateContent xmlns:mc="http://schemas.openxmlformats.org/markup-compatibility/2006">
-    <mc:Choice xmlns:p14="http://schemas.microsoft.com/office/powerpoint/2010/main" Requires="p14">
+  <mc:AlternateContent xmlns:mc="http://schemas.openxmlformats.org/markup-compatibility/2006" xmlns:p14="http://schemas.microsoft.com/office/powerpoint/2010/main">
+    <mc:Choice Requires="p14">
       <p:transition>
         <p14:reveal/>
       </p:transition>
     </mc:Choice>
-    <mc:Fallback>
+    <mc:Fallback xmlns="">
       <p:transition>
         <p:fade/>
       </p:transition>
@@ -23230,13 +23140,13 @@
   <p:clrMapOvr>
     <a:masterClrMapping/>
   </p:clrMapOvr>
-  <mc:AlternateContent xmlns:mc="http://schemas.openxmlformats.org/markup-compatibility/2006">
-    <mc:Choice xmlns:p14="http://schemas.microsoft.com/office/powerpoint/2010/main" Requires="p14">
+  <mc:AlternateContent xmlns:mc="http://schemas.openxmlformats.org/markup-compatibility/2006" xmlns:p14="http://schemas.microsoft.com/office/powerpoint/2010/main">
+    <mc:Choice Requires="p14">
       <p:transition>
         <p14:reveal/>
       </p:transition>
     </mc:Choice>
-    <mc:Fallback>
+    <mc:Fallback xmlns="">
       <p:transition>
         <p:fade/>
       </p:transition>
@@ -23305,13 +23215,13 @@
   <p:clrMapOvr>
     <a:masterClrMapping/>
   </p:clrMapOvr>
-  <mc:AlternateContent xmlns:mc="http://schemas.openxmlformats.org/markup-compatibility/2006">
-    <mc:Choice xmlns:p14="http://schemas.microsoft.com/office/powerpoint/2010/main" Requires="p14">
+  <mc:AlternateContent xmlns:mc="http://schemas.openxmlformats.org/markup-compatibility/2006" xmlns:p14="http://schemas.microsoft.com/office/powerpoint/2010/main">
+    <mc:Choice Requires="p14">
       <p:transition>
         <p14:reveal/>
       </p:transition>
     </mc:Choice>
-    <mc:Fallback>
+    <mc:Fallback xmlns="">
       <p:transition>
         <p:fade/>
       </p:transition>
@@ -23381,13 +23291,13 @@
   <p:clrMapOvr>
     <a:masterClrMapping/>
   </p:clrMapOvr>
-  <mc:AlternateContent xmlns:mc="http://schemas.openxmlformats.org/markup-compatibility/2006">
-    <mc:Choice xmlns:p14="http://schemas.microsoft.com/office/powerpoint/2010/main" Requires="p14">
+  <mc:AlternateContent xmlns:mc="http://schemas.openxmlformats.org/markup-compatibility/2006" xmlns:p14="http://schemas.microsoft.com/office/powerpoint/2010/main">
+    <mc:Choice Requires="p14">
       <p:transition>
         <p14:reveal/>
       </p:transition>
     </mc:Choice>
-    <mc:Fallback>
+    <mc:Fallback xmlns="">
       <p:transition>
         <p:fade/>
       </p:transition>
@@ -23906,13 +23816,13 @@
   <p:clrMapOvr>
     <a:masterClrMapping/>
   </p:clrMapOvr>
-  <mc:AlternateContent xmlns:mc="http://schemas.openxmlformats.org/markup-compatibility/2006">
-    <mc:Choice xmlns:p14="http://schemas.microsoft.com/office/powerpoint/2010/main" Requires="p14">
+  <mc:AlternateContent xmlns:mc="http://schemas.openxmlformats.org/markup-compatibility/2006" xmlns:p14="http://schemas.microsoft.com/office/powerpoint/2010/main">
+    <mc:Choice Requires="p14">
       <p:transition>
         <p14:reveal/>
       </p:transition>
     </mc:Choice>
-    <mc:Fallback>
+    <mc:Fallback xmlns="">
       <p:transition>
         <p:fade/>
       </p:transition>
@@ -25419,13 +25329,13 @@
   <p:clrMapOvr>
     <a:masterClrMapping/>
   </p:clrMapOvr>
-  <mc:AlternateContent xmlns:mc="http://schemas.openxmlformats.org/markup-compatibility/2006">
-    <mc:Choice xmlns:p14="http://schemas.microsoft.com/office/powerpoint/2010/main" Requires="p14">
+  <mc:AlternateContent xmlns:mc="http://schemas.openxmlformats.org/markup-compatibility/2006" xmlns:p14="http://schemas.microsoft.com/office/powerpoint/2010/main">
+    <mc:Choice Requires="p14">
       <p:transition>
         <p14:reveal/>
       </p:transition>
     </mc:Choice>
-    <mc:Fallback>
+    <mc:Fallback xmlns="">
       <p:transition>
         <p:fade/>
       </p:transition>
@@ -27310,13 +27220,13 @@
   <p:clrMapOvr>
     <a:masterClrMapping/>
   </p:clrMapOvr>
-  <mc:AlternateContent xmlns:mc="http://schemas.openxmlformats.org/markup-compatibility/2006">
-    <mc:Choice xmlns:p14="http://schemas.microsoft.com/office/powerpoint/2010/main" Requires="p14">
+  <mc:AlternateContent xmlns:mc="http://schemas.openxmlformats.org/markup-compatibility/2006" xmlns:p14="http://schemas.microsoft.com/office/powerpoint/2010/main">
+    <mc:Choice Requires="p14">
       <p:transition>
         <p14:reveal/>
       </p:transition>
     </mc:Choice>
-    <mc:Fallback>
+    <mc:Fallback xmlns="">
       <p:transition>
         <p:fade/>
       </p:transition>
@@ -28324,13 +28234,13 @@
   <p:clrMapOvr>
     <a:masterClrMapping/>
   </p:clrMapOvr>
-  <mc:AlternateContent xmlns:mc="http://schemas.openxmlformats.org/markup-compatibility/2006">
-    <mc:Choice xmlns:p14="http://schemas.microsoft.com/office/powerpoint/2010/main" Requires="p14">
+  <mc:AlternateContent xmlns:mc="http://schemas.openxmlformats.org/markup-compatibility/2006" xmlns:p14="http://schemas.microsoft.com/office/powerpoint/2010/main">
+    <mc:Choice Requires="p14">
       <p:transition>
         <p14:reveal/>
       </p:transition>
     </mc:Choice>
-    <mc:Fallback>
+    <mc:Fallback xmlns="">
       <p:transition>
         <p:fade/>
       </p:transition>
@@ -29550,13 +29460,13 @@
   <p:clrMapOvr>
     <a:masterClrMapping/>
   </p:clrMapOvr>
-  <mc:AlternateContent xmlns:mc="http://schemas.openxmlformats.org/markup-compatibility/2006">
-    <mc:Choice xmlns:p14="http://schemas.microsoft.com/office/powerpoint/2010/main" Requires="p14">
+  <mc:AlternateContent xmlns:mc="http://schemas.openxmlformats.org/markup-compatibility/2006" xmlns:p14="http://schemas.microsoft.com/office/powerpoint/2010/main">
+    <mc:Choice Requires="p14">
       <p:transition>
         <p14:reveal/>
       </p:transition>
     </mc:Choice>
-    <mc:Fallback>
+    <mc:Fallback xmlns="">
       <p:transition>
         <p:fade/>
       </p:transition>
@@ -30175,13 +30085,13 @@
   <p:clrMapOvr>
     <a:masterClrMapping/>
   </p:clrMapOvr>
-  <mc:AlternateContent xmlns:mc="http://schemas.openxmlformats.org/markup-compatibility/2006">
-    <mc:Choice xmlns:p14="http://schemas.microsoft.com/office/powerpoint/2010/main" Requires="p14">
+  <mc:AlternateContent xmlns:mc="http://schemas.openxmlformats.org/markup-compatibility/2006" xmlns:p14="http://schemas.microsoft.com/office/powerpoint/2010/main">
+    <mc:Choice Requires="p14">
       <p:transition>
         <p14:reveal/>
       </p:transition>
     </mc:Choice>
-    <mc:Fallback>
+    <mc:Fallback xmlns="">
       <p:transition>
         <p:fade/>
       </p:transition>
@@ -31327,13 +31237,13 @@
   <p:clrMapOvr>
     <a:masterClrMapping/>
   </p:clrMapOvr>
-  <mc:AlternateContent xmlns:mc="http://schemas.openxmlformats.org/markup-compatibility/2006">
-    <mc:Choice xmlns:p14="http://schemas.microsoft.com/office/powerpoint/2010/main" Requires="p14">
+  <mc:AlternateContent xmlns:mc="http://schemas.openxmlformats.org/markup-compatibility/2006" xmlns:p14="http://schemas.microsoft.com/office/powerpoint/2010/main">
+    <mc:Choice Requires="p14">
       <p:transition>
         <p14:reveal/>
       </p:transition>
     </mc:Choice>
-    <mc:Fallback>
+    <mc:Fallback xmlns="">
       <p:transition>
         <p:fade/>
       </p:transition>
@@ -32291,13 +32201,13 @@
   <p:clrMapOvr>
     <a:masterClrMapping/>
   </p:clrMapOvr>
-  <mc:AlternateContent xmlns:mc="http://schemas.openxmlformats.org/markup-compatibility/2006">
-    <mc:Choice xmlns:p14="http://schemas.microsoft.com/office/powerpoint/2010/main" Requires="p14">
+  <mc:AlternateContent xmlns:mc="http://schemas.openxmlformats.org/markup-compatibility/2006" xmlns:p14="http://schemas.microsoft.com/office/powerpoint/2010/main">
+    <mc:Choice Requires="p14">
       <p:transition>
         <p14:reveal/>
       </p:transition>
     </mc:Choice>
-    <mc:Fallback>
+    <mc:Fallback xmlns="">
       <p:transition>
         <p:fade/>
       </p:transition>
@@ -33822,13 +33732,13 @@
   <p:clrMapOvr>
     <a:masterClrMapping/>
   </p:clrMapOvr>
-  <mc:AlternateContent xmlns:mc="http://schemas.openxmlformats.org/markup-compatibility/2006">
-    <mc:Choice xmlns:p14="http://schemas.microsoft.com/office/powerpoint/2010/main" Requires="p14">
+  <mc:AlternateContent xmlns:mc="http://schemas.openxmlformats.org/markup-compatibility/2006" xmlns:p14="http://schemas.microsoft.com/office/powerpoint/2010/main">
+    <mc:Choice Requires="p14">
       <p:transition>
         <p14:reveal/>
       </p:transition>
     </mc:Choice>
-    <mc:Fallback>
+    <mc:Fallback xmlns="">
       <p:transition>
         <p:fade/>
       </p:transition>
@@ -34730,6 +34640,7 @@
               <a:spcBef>
                 <a:spcPts val="1200"/>
               </a:spcBef>
+              <a:buSzPct val="100000"/>
               <a:buFont typeface="Arial" charset="0"/>
               <a:buChar char="−"/>
             </a:pPr>
@@ -34743,6 +34654,7 @@
               <a:spcBef>
                 <a:spcPts val="1800"/>
               </a:spcBef>
+              <a:buSzPct val="100000"/>
               <a:buFont typeface="Arial" charset="0"/>
               <a:buChar char="−"/>
             </a:pPr>
@@ -34814,31 +34726,10 @@
           <a:prstGeom prst="rect">
             <a:avLst/>
           </a:prstGeom>
-          <a:gradFill flip="none" rotWithShape="1">
-            <a:gsLst>
-              <a:gs pos="0">
-                <a:srgbClr val="C00000">
-                  <a:shade val="30000"/>
-                  <a:satMod val="115000"/>
-                </a:srgbClr>
-              </a:gs>
-              <a:gs pos="50000">
-                <a:srgbClr val="C00000">
-                  <a:shade val="67500"/>
-                  <a:satMod val="115000"/>
-                </a:srgbClr>
-              </a:gs>
-              <a:gs pos="100000">
-                <a:srgbClr val="C00000">
-                  <a:shade val="100000"/>
-                  <a:satMod val="115000"/>
-                </a:srgbClr>
-              </a:gs>
-            </a:gsLst>
-            <a:lin ang="18900000" scaled="1"/>
-            <a:tileRect/>
-          </a:gradFill>
-          <a:ln w="57150">
+          <a:solidFill>
+            <a:srgbClr val="C00000"/>
+          </a:solidFill>
+          <a:ln w="38100">
             <a:solidFill>
               <a:schemeClr val="tx1"/>
             </a:solidFill>
@@ -34866,7 +34757,7 @@
           <a:p>
             <a:pPr algn="ctr"/>
             <a:r>
-              <a:rPr lang="hr-HR" sz="3600" b="1" dirty="0" smtClean="0">
+              <a:rPr lang="hr-HR" sz="4400" b="1" dirty="0" smtClean="0">
                 <a:effectLst>
                   <a:outerShdw blurRad="38100" dist="38100" dir="2700000" algn="tl">
                     <a:srgbClr val="000000">
@@ -34907,34 +34798,10 @@
           <a:prstGeom prst="rect">
             <a:avLst/>
           </a:prstGeom>
-          <a:gradFill flip="none" rotWithShape="1">
-            <a:gsLst>
-              <a:gs pos="0">
-                <a:schemeClr val="accent4">
-                  <a:lumMod val="50000"/>
-                  <a:shade val="30000"/>
-                  <a:satMod val="115000"/>
-                </a:schemeClr>
-              </a:gs>
-              <a:gs pos="50000">
-                <a:schemeClr val="accent4">
-                  <a:lumMod val="50000"/>
-                  <a:shade val="67500"/>
-                  <a:satMod val="115000"/>
-                </a:schemeClr>
-              </a:gs>
-              <a:gs pos="100000">
-                <a:schemeClr val="accent4">
-                  <a:lumMod val="50000"/>
-                  <a:shade val="100000"/>
-                  <a:satMod val="115000"/>
-                </a:schemeClr>
-              </a:gs>
-            </a:gsLst>
-            <a:lin ang="16200000" scaled="1"/>
-            <a:tileRect/>
-          </a:gradFill>
-          <a:ln w="28575">
+          <a:solidFill>
+            <a:srgbClr val="002060"/>
+          </a:solidFill>
+          <a:ln w="12700">
             <a:solidFill>
               <a:schemeClr val="tx1"/>
             </a:solidFill>
@@ -35003,34 +34870,10 @@
           <a:prstGeom prst="rect">
             <a:avLst/>
           </a:prstGeom>
-          <a:gradFill flip="none" rotWithShape="1">
-            <a:gsLst>
-              <a:gs pos="0">
-                <a:schemeClr val="accent4">
-                  <a:lumMod val="50000"/>
-                  <a:shade val="30000"/>
-                  <a:satMod val="115000"/>
-                </a:schemeClr>
-              </a:gs>
-              <a:gs pos="50000">
-                <a:schemeClr val="accent4">
-                  <a:lumMod val="50000"/>
-                  <a:shade val="67500"/>
-                  <a:satMod val="115000"/>
-                </a:schemeClr>
-              </a:gs>
-              <a:gs pos="100000">
-                <a:schemeClr val="accent4">
-                  <a:lumMod val="50000"/>
-                  <a:shade val="100000"/>
-                  <a:satMod val="115000"/>
-                </a:schemeClr>
-              </a:gs>
-            </a:gsLst>
-            <a:lin ang="16200000" scaled="1"/>
-            <a:tileRect/>
-          </a:gradFill>
-          <a:ln w="28575">
+          <a:solidFill>
+            <a:srgbClr val="002060"/>
+          </a:solidFill>
+          <a:ln w="12700">
             <a:solidFill>
               <a:schemeClr val="tx1"/>
             </a:solidFill>
@@ -35099,34 +34942,10 @@
           <a:prstGeom prst="rect">
             <a:avLst/>
           </a:prstGeom>
-          <a:gradFill flip="none" rotWithShape="1">
-            <a:gsLst>
-              <a:gs pos="0">
-                <a:schemeClr val="accent4">
-                  <a:lumMod val="50000"/>
-                  <a:shade val="30000"/>
-                  <a:satMod val="115000"/>
-                </a:schemeClr>
-              </a:gs>
-              <a:gs pos="50000">
-                <a:schemeClr val="accent4">
-                  <a:lumMod val="50000"/>
-                  <a:shade val="67500"/>
-                  <a:satMod val="115000"/>
-                </a:schemeClr>
-              </a:gs>
-              <a:gs pos="100000">
-                <a:schemeClr val="accent4">
-                  <a:lumMod val="50000"/>
-                  <a:shade val="100000"/>
-                  <a:satMod val="115000"/>
-                </a:schemeClr>
-              </a:gs>
-            </a:gsLst>
-            <a:lin ang="16200000" scaled="1"/>
-            <a:tileRect/>
-          </a:gradFill>
-          <a:ln w="28575">
+          <a:solidFill>
+            <a:srgbClr val="002060"/>
+          </a:solidFill>
+          <a:ln w="12700">
             <a:solidFill>
               <a:schemeClr val="tx1"/>
             </a:solidFill>
@@ -35195,34 +35014,10 @@
           <a:prstGeom prst="rect">
             <a:avLst/>
           </a:prstGeom>
-          <a:gradFill flip="none" rotWithShape="1">
-            <a:gsLst>
-              <a:gs pos="0">
-                <a:schemeClr val="accent4">
-                  <a:lumMod val="50000"/>
-                  <a:shade val="30000"/>
-                  <a:satMod val="115000"/>
-                </a:schemeClr>
-              </a:gs>
-              <a:gs pos="50000">
-                <a:schemeClr val="accent4">
-                  <a:lumMod val="50000"/>
-                  <a:shade val="67500"/>
-                  <a:satMod val="115000"/>
-                </a:schemeClr>
-              </a:gs>
-              <a:gs pos="100000">
-                <a:schemeClr val="accent4">
-                  <a:lumMod val="50000"/>
-                  <a:shade val="100000"/>
-                  <a:satMod val="115000"/>
-                </a:schemeClr>
-              </a:gs>
-            </a:gsLst>
-            <a:lin ang="16200000" scaled="1"/>
-            <a:tileRect/>
-          </a:gradFill>
-          <a:ln w="28575">
+          <a:solidFill>
+            <a:srgbClr val="002060"/>
+          </a:solidFill>
+          <a:ln w="12700">
             <a:solidFill>
               <a:schemeClr val="tx1"/>
             </a:solidFill>
@@ -35291,34 +35086,10 @@
           <a:prstGeom prst="rect">
             <a:avLst/>
           </a:prstGeom>
-          <a:gradFill flip="none" rotWithShape="1">
-            <a:gsLst>
-              <a:gs pos="0">
-                <a:schemeClr val="accent4">
-                  <a:lumMod val="50000"/>
-                  <a:shade val="30000"/>
-                  <a:satMod val="115000"/>
-                </a:schemeClr>
-              </a:gs>
-              <a:gs pos="50000">
-                <a:schemeClr val="accent4">
-                  <a:lumMod val="50000"/>
-                  <a:shade val="67500"/>
-                  <a:satMod val="115000"/>
-                </a:schemeClr>
-              </a:gs>
-              <a:gs pos="100000">
-                <a:schemeClr val="accent4">
-                  <a:lumMod val="50000"/>
-                  <a:shade val="100000"/>
-                  <a:satMod val="115000"/>
-                </a:schemeClr>
-              </a:gs>
-            </a:gsLst>
-            <a:lin ang="16200000" scaled="1"/>
-            <a:tileRect/>
-          </a:gradFill>
-          <a:ln w="28575">
+          <a:solidFill>
+            <a:srgbClr val="002060"/>
+          </a:solidFill>
+          <a:ln w="12700">
             <a:solidFill>
               <a:schemeClr val="tx1"/>
             </a:solidFill>
@@ -35387,34 +35158,10 @@
           <a:prstGeom prst="rect">
             <a:avLst/>
           </a:prstGeom>
-          <a:gradFill flip="none" rotWithShape="1">
-            <a:gsLst>
-              <a:gs pos="0">
-                <a:schemeClr val="accent4">
-                  <a:lumMod val="50000"/>
-                  <a:shade val="30000"/>
-                  <a:satMod val="115000"/>
-                </a:schemeClr>
-              </a:gs>
-              <a:gs pos="50000">
-                <a:schemeClr val="accent4">
-                  <a:lumMod val="50000"/>
-                  <a:shade val="67500"/>
-                  <a:satMod val="115000"/>
-                </a:schemeClr>
-              </a:gs>
-              <a:gs pos="100000">
-                <a:schemeClr val="accent4">
-                  <a:lumMod val="50000"/>
-                  <a:shade val="100000"/>
-                  <a:satMod val="115000"/>
-                </a:schemeClr>
-              </a:gs>
-            </a:gsLst>
-            <a:lin ang="16200000" scaled="1"/>
-            <a:tileRect/>
-          </a:gradFill>
-          <a:ln w="28575">
+          <a:solidFill>
+            <a:srgbClr val="002060"/>
+          </a:solidFill>
+          <a:ln w="12700">
             <a:solidFill>
               <a:schemeClr val="tx1"/>
             </a:solidFill>
@@ -35483,34 +35230,10 @@
           <a:prstGeom prst="rect">
             <a:avLst/>
           </a:prstGeom>
-          <a:gradFill flip="none" rotWithShape="1">
-            <a:gsLst>
-              <a:gs pos="0">
-                <a:schemeClr val="accent4">
-                  <a:lumMod val="50000"/>
-                  <a:shade val="30000"/>
-                  <a:satMod val="115000"/>
-                </a:schemeClr>
-              </a:gs>
-              <a:gs pos="50000">
-                <a:schemeClr val="accent4">
-                  <a:lumMod val="50000"/>
-                  <a:shade val="67500"/>
-                  <a:satMod val="115000"/>
-                </a:schemeClr>
-              </a:gs>
-              <a:gs pos="100000">
-                <a:schemeClr val="accent4">
-                  <a:lumMod val="50000"/>
-                  <a:shade val="100000"/>
-                  <a:satMod val="115000"/>
-                </a:schemeClr>
-              </a:gs>
-            </a:gsLst>
-            <a:lin ang="16200000" scaled="1"/>
-            <a:tileRect/>
-          </a:gradFill>
-          <a:ln w="28575">
+          <a:solidFill>
+            <a:srgbClr val="002060"/>
+          </a:solidFill>
+          <a:ln w="12700">
             <a:solidFill>
               <a:schemeClr val="tx1"/>
             </a:solidFill>
@@ -35570,13 +35293,13 @@
   <p:clrMapOvr>
     <a:masterClrMapping/>
   </p:clrMapOvr>
-  <mc:AlternateContent xmlns:mc="http://schemas.openxmlformats.org/markup-compatibility/2006">
-    <mc:Choice xmlns:p14="http://schemas.microsoft.com/office/powerpoint/2010/main" Requires="p14">
+  <mc:AlternateContent xmlns:mc="http://schemas.openxmlformats.org/markup-compatibility/2006" xmlns:p14="http://schemas.microsoft.com/office/powerpoint/2010/main">
+    <mc:Choice Requires="p14">
       <p:transition>
         <p14:reveal/>
       </p:transition>
     </mc:Choice>
-    <mc:Fallback>
+    <mc:Fallback xmlns="">
       <p:transition>
         <p:fade/>
       </p:transition>
@@ -36513,7 +36236,7 @@
       <p:bldP spid="5" grpId="0" build="allAtOnce" animBg="1"/>
       <p:bldP spid="6" grpId="0" build="allAtOnce" animBg="1"/>
       <p:bldP spid="7" grpId="0" build="allAtOnce" animBg="1"/>
-      <p:bldP spid="8" grpId="0" build="allAtOnce" animBg="1"/>
+      <p:bldP spid="8" grpId="0" uiExpand="1" build="allAtOnce" animBg="1"/>
       <p:bldP spid="9" grpId="0" build="allAtOnce" animBg="1"/>
       <p:bldP spid="10" grpId="0" build="allAtOnce" animBg="1"/>
       <p:bldP spid="11" grpId="0" build="allAtOnce" animBg="1"/>
@@ -36563,7 +36286,7 @@
               <a:buChar char="─"/>
             </a:pPr>
             <a:r>
-              <a:rPr lang="hr-HR" sz="2600" dirty="0" smtClean="0">
+              <a:rPr lang="hr-HR" dirty="0" smtClean="0">
                 <a:solidFill>
                   <a:prstClr val="white"/>
                 </a:solidFill>
@@ -36571,7 +36294,7 @@
               <a:t>organizacije i pojedinci koji </a:t>
             </a:r>
             <a:r>
-              <a:rPr lang="hr-HR" sz="2600" b="1" dirty="0" smtClean="0">
+              <a:rPr lang="hr-HR" b="1" dirty="0" smtClean="0">
                 <a:solidFill>
                   <a:srgbClr val="FFC000"/>
                 </a:solidFill>
@@ -36579,7 +36302,7 @@
               <a:t>opskrbljuju</a:t>
             </a:r>
             <a:r>
-              <a:rPr lang="hr-HR" sz="2600" dirty="0" smtClean="0">
+              <a:rPr lang="hr-HR" dirty="0" smtClean="0">
                 <a:solidFill>
                   <a:prstClr val="white"/>
                 </a:solidFill>
@@ -36587,7 +36310,7 @@
               <a:t> </a:t>
             </a:r>
             <a:r>
-              <a:rPr lang="hr-HR" sz="2600" b="1" dirty="0" smtClean="0">
+              <a:rPr lang="hr-HR" b="1" dirty="0" smtClean="0">
                 <a:solidFill>
                   <a:srgbClr val="FFC000"/>
                 </a:solidFill>
@@ -36595,11 +36318,11 @@
               <a:t>tvrtku svojim proizvodima </a:t>
             </a:r>
             <a:r>
-              <a:rPr lang="hr-HR" sz="2600" dirty="0" smtClean="0"/>
+              <a:rPr lang="hr-HR" dirty="0" smtClean="0"/>
               <a:t>i </a:t>
             </a:r>
             <a:r>
-              <a:rPr lang="hr-HR" sz="2600" b="1" dirty="0" smtClean="0">
+              <a:rPr lang="hr-HR" b="1" dirty="0" smtClean="0">
                 <a:solidFill>
                   <a:srgbClr val="FFC000"/>
                 </a:solidFill>
@@ -36612,6 +36335,7 @@
               <a:spcBef>
                 <a:spcPts val="1800"/>
               </a:spcBef>
+              <a:buSzPct val="100000"/>
               <a:buFont typeface="Arial" charset="0"/>
               <a:buChar char="−"/>
             </a:pPr>
@@ -36676,6 +36400,7 @@
               <a:spcBef>
                 <a:spcPts val="1800"/>
               </a:spcBef>
+              <a:buSzPct val="100000"/>
               <a:buFont typeface="Arial" charset="0"/>
               <a:buChar char="−"/>
             </a:pPr>
@@ -36701,6 +36426,7 @@
               <a:spcBef>
                 <a:spcPts val="1800"/>
               </a:spcBef>
+              <a:buSzPct val="100000"/>
               <a:buFont typeface="Arial" charset="0"/>
               <a:buChar char="−"/>
             </a:pPr>
@@ -36767,13 +36493,13 @@
   <p:clrMapOvr>
     <a:masterClrMapping/>
   </p:clrMapOvr>
-  <mc:AlternateContent xmlns:mc="http://schemas.openxmlformats.org/markup-compatibility/2006">
-    <mc:Choice xmlns:p14="http://schemas.microsoft.com/office/powerpoint/2010/main" Requires="p14">
+  <mc:AlternateContent xmlns:mc="http://schemas.openxmlformats.org/markup-compatibility/2006" xmlns:p14="http://schemas.microsoft.com/office/powerpoint/2010/main">
+    <mc:Choice Requires="p14">
       <p:transition>
         <p14:reveal/>
       </p:transition>
     </mc:Choice>
-    <mc:Fallback>
+    <mc:Fallback xmlns="">
       <p:transition>
         <p:fade/>
       </p:transition>
@@ -37279,13 +37005,13 @@
   <p:clrMapOvr>
     <a:masterClrMapping/>
   </p:clrMapOvr>
-  <mc:AlternateContent xmlns:mc="http://schemas.openxmlformats.org/markup-compatibility/2006">
-    <mc:Choice xmlns:p14="http://schemas.microsoft.com/office/powerpoint/2010/main" Requires="p14">
+  <mc:AlternateContent xmlns:mc="http://schemas.openxmlformats.org/markup-compatibility/2006" xmlns:p14="http://schemas.microsoft.com/office/powerpoint/2010/main">
+    <mc:Choice Requires="p14">
       <p:transition>
         <p14:reveal/>
       </p:transition>
     </mc:Choice>
-    <mc:Fallback>
+    <mc:Fallback xmlns="">
       <p:transition>
         <p:fade/>
       </p:transition>
@@ -37838,15 +37564,71 @@
               <a:buChar char="‒"/>
             </a:pPr>
             <a:r>
+              <a:rPr lang="hr-HR" sz="2000" dirty="0">
+                <a:solidFill>
+                  <a:schemeClr val="bg1"/>
+                </a:solidFill>
+                <a:highlight>
+                  <a:srgbClr val="FFFF00"/>
+                </a:highlight>
+                <a:latin typeface="Calibri"/>
+                <a:ea typeface="Calibri"/>
+                <a:cs typeface="Times New Roman"/>
+              </a:rPr>
+              <a:t>pojedinci</a:t>
+            </a:r>
+            <a:r>
               <a:rPr lang="hr-HR" sz="2000" dirty="0" smtClean="0">
                 <a:latin typeface="Calibri" pitchFamily="34" charset="0"/>
                 <a:cs typeface="Calibri" pitchFamily="34" charset="0"/>
               </a:rPr>
-              <a:t>pojedinci i kućanstva koji kupuju proizvode i usluge za osobnu potrošnju</a:t>
-            </a:r>
-            <a:endParaRPr lang="hr-HR" sz="2000" dirty="0">
-              <a:latin typeface="Calibri" pitchFamily="34" charset="0"/>
-              <a:cs typeface="Calibri" pitchFamily="34" charset="0"/>
+              <a:t> i </a:t>
+            </a:r>
+            <a:r>
+              <a:rPr lang="hr-HR" sz="2000" dirty="0">
+                <a:solidFill>
+                  <a:schemeClr val="bg1"/>
+                </a:solidFill>
+                <a:highlight>
+                  <a:srgbClr val="FFFF00"/>
+                </a:highlight>
+                <a:latin typeface="Calibri"/>
+                <a:ea typeface="Calibri"/>
+                <a:cs typeface="Times New Roman"/>
+              </a:rPr>
+              <a:t>kućanstva</a:t>
+            </a:r>
+            <a:r>
+              <a:rPr lang="hr-HR" sz="2000" dirty="0" smtClean="0">
+                <a:latin typeface="Calibri" pitchFamily="34" charset="0"/>
+                <a:cs typeface="Calibri" pitchFamily="34" charset="0"/>
+              </a:rPr>
+              <a:t> koji kupuju proizvode i usluge </a:t>
+            </a:r>
+            <a:r>
+              <a:rPr lang="hr-HR" sz="2000" dirty="0">
+                <a:solidFill>
+                  <a:schemeClr val="bg1"/>
+                </a:solidFill>
+                <a:highlight>
+                  <a:srgbClr val="FFFF00"/>
+                </a:highlight>
+                <a:latin typeface="Calibri"/>
+                <a:ea typeface="Calibri"/>
+                <a:cs typeface="Times New Roman"/>
+              </a:rPr>
+              <a:t>za osobnu potrošnju</a:t>
+            </a:r>
+            <a:endParaRPr lang="hr-HR" sz="2800" dirty="0">
+              <a:solidFill>
+                <a:schemeClr val="bg1"/>
+              </a:solidFill>
+              <a:highlight>
+                <a:srgbClr val="FFFF00"/>
+              </a:highlight>
+              <a:latin typeface="Calibri"/>
+              <a:ea typeface="Calibri"/>
+              <a:cs typeface="Times New Roman"/>
             </a:endParaRPr>
           </a:p>
         </p:txBody>
@@ -37888,15 +37670,29 @@
               <a:t>kupuju robu i usluge </a:t>
             </a:r>
             <a:r>
-              <a:rPr lang="hr-HR" sz="2000" u="sng" dirty="0" smtClean="0">
-                <a:latin typeface="Calibri" pitchFamily="34" charset="0"/>
-                <a:cs typeface="Calibri" pitchFamily="34" charset="0"/>
+              <a:rPr lang="hr-HR" sz="2000" dirty="0">
+                <a:solidFill>
+                  <a:schemeClr val="bg1"/>
+                </a:solidFill>
+                <a:highlight>
+                  <a:srgbClr val="FFFF00"/>
+                </a:highlight>
+                <a:latin typeface="Calibri"/>
+                <a:ea typeface="Calibri"/>
+                <a:cs typeface="Times New Roman"/>
               </a:rPr>
               <a:t>za daljnju obradu ili korištenje u proizvodnji</a:t>
             </a:r>
-            <a:endParaRPr lang="hr-HR" sz="2000" u="sng" dirty="0">
-              <a:latin typeface="Calibri" pitchFamily="34" charset="0"/>
-              <a:cs typeface="Calibri" pitchFamily="34" charset="0"/>
+            <a:endParaRPr lang="hr-HR" sz="2000" dirty="0">
+              <a:solidFill>
+                <a:schemeClr val="bg1"/>
+              </a:solidFill>
+              <a:highlight>
+                <a:srgbClr val="FFFF00"/>
+              </a:highlight>
+              <a:latin typeface="Calibri"/>
+              <a:ea typeface="Calibri"/>
+              <a:cs typeface="Times New Roman"/>
             </a:endParaRPr>
           </a:p>
         </p:txBody>
@@ -37938,15 +37734,29 @@
               <a:t>kupuju robu i usluge kako bi ih </a:t>
             </a:r>
             <a:r>
-              <a:rPr lang="hr-HR" sz="2000" u="sng" dirty="0" smtClean="0">
-                <a:latin typeface="Calibri" pitchFamily="34" charset="0"/>
-                <a:cs typeface="Calibri" pitchFamily="34" charset="0"/>
+              <a:rPr lang="hr-HR" sz="2000" dirty="0">
+                <a:solidFill>
+                  <a:schemeClr val="bg1"/>
+                </a:solidFill>
+                <a:highlight>
+                  <a:srgbClr val="FFFF00"/>
+                </a:highlight>
+                <a:latin typeface="Calibri"/>
+                <a:ea typeface="Calibri"/>
+                <a:cs typeface="Times New Roman"/>
               </a:rPr>
               <a:t>preprodavali i ostvarili dobit</a:t>
             </a:r>
-            <a:endParaRPr lang="hr-HR" sz="2000" u="sng" dirty="0">
-              <a:latin typeface="Calibri" pitchFamily="34" charset="0"/>
-              <a:cs typeface="Calibri" pitchFamily="34" charset="0"/>
+            <a:endParaRPr lang="hr-HR" sz="2000" dirty="0">
+              <a:solidFill>
+                <a:schemeClr val="bg1"/>
+              </a:solidFill>
+              <a:highlight>
+                <a:srgbClr val="FFFF00"/>
+              </a:highlight>
+              <a:latin typeface="Calibri"/>
+              <a:ea typeface="Calibri"/>
+              <a:cs typeface="Times New Roman"/>
             </a:endParaRPr>
           </a:p>
         </p:txBody>
@@ -37985,18 +37795,32 @@
                 <a:latin typeface="Calibri" pitchFamily="34" charset="0"/>
                 <a:cs typeface="Calibri" pitchFamily="34" charset="0"/>
               </a:rPr>
-              <a:t>sastoje se od škola, bolnica, staračkih domova, zatvora i drugih institucija koje nabavljaju robu i usluge </a:t>
-            </a:r>
-            <a:r>
-              <a:rPr lang="pl-PL" sz="2000" u="sng" dirty="0" smtClean="0">
-                <a:latin typeface="Calibri" pitchFamily="34" charset="0"/>
-                <a:cs typeface="Calibri" pitchFamily="34" charset="0"/>
-              </a:rPr>
-              <a:t>za osobe o kojima skrbe</a:t>
-            </a:r>
-            <a:endParaRPr lang="hr-HR" sz="2000" u="sng" dirty="0">
-              <a:latin typeface="Calibri" pitchFamily="34" charset="0"/>
-              <a:cs typeface="Calibri" pitchFamily="34" charset="0"/>
+              <a:t>sastoje se od škola, bolnica, staračkih domova, zatvora i drugih institucija koje </a:t>
+            </a:r>
+            <a:r>
+              <a:rPr lang="pl-PL" sz="2000" dirty="0">
+                <a:solidFill>
+                  <a:schemeClr val="bg1"/>
+                </a:solidFill>
+                <a:highlight>
+                  <a:srgbClr val="FFFF00"/>
+                </a:highlight>
+                <a:latin typeface="Calibri"/>
+                <a:ea typeface="Calibri"/>
+                <a:cs typeface="Times New Roman"/>
+              </a:rPr>
+              <a:t>nabavljaju robu i usluge za osobe o kojima skrbe</a:t>
+            </a:r>
+            <a:endParaRPr lang="hr-HR" sz="2000" dirty="0">
+              <a:solidFill>
+                <a:schemeClr val="bg1"/>
+              </a:solidFill>
+              <a:highlight>
+                <a:srgbClr val="FFFF00"/>
+              </a:highlight>
+              <a:latin typeface="Calibri"/>
+              <a:ea typeface="Calibri"/>
+              <a:cs typeface="Times New Roman"/>
             </a:endParaRPr>
           </a:p>
         </p:txBody>
@@ -38038,15 +37862,29 @@
               <a:t>vladine agencije koje kupuju robu i usluge </a:t>
             </a:r>
             <a:r>
-              <a:rPr lang="pl-PL" sz="2000" u="sng" dirty="0" smtClean="0">
-                <a:latin typeface="Calibri" pitchFamily="34" charset="0"/>
-                <a:cs typeface="Calibri" pitchFamily="34" charset="0"/>
+              <a:rPr lang="pl-PL" sz="2000" dirty="0">
+                <a:solidFill>
+                  <a:schemeClr val="bg1"/>
+                </a:solidFill>
+                <a:highlight>
+                  <a:srgbClr val="FFFF00"/>
+                </a:highlight>
+                <a:latin typeface="Calibri"/>
+                <a:ea typeface="Calibri"/>
+                <a:cs typeface="Times New Roman"/>
               </a:rPr>
               <a:t>za javnu potrošnju</a:t>
             </a:r>
-            <a:endParaRPr lang="hr-HR" sz="2000" u="sng" dirty="0">
-              <a:latin typeface="Calibri" pitchFamily="34" charset="0"/>
-              <a:cs typeface="Calibri" pitchFamily="34" charset="0"/>
+            <a:endParaRPr lang="hr-HR" sz="2000" dirty="0">
+              <a:solidFill>
+                <a:schemeClr val="bg1"/>
+              </a:solidFill>
+              <a:highlight>
+                <a:srgbClr val="FFFF00"/>
+              </a:highlight>
+              <a:latin typeface="Calibri"/>
+              <a:ea typeface="Calibri"/>
+              <a:cs typeface="Times New Roman"/>
             </a:endParaRPr>
           </a:p>
         </p:txBody>
@@ -38085,7 +37923,56 @@
                 <a:latin typeface="Calibri" pitchFamily="34" charset="0"/>
                 <a:cs typeface="Calibri" pitchFamily="34" charset="0"/>
               </a:rPr>
-              <a:t>predstavljaju kupce u drugim zemljama i uključuju potrošače,</a:t>
+              <a:t>predstavljaju </a:t>
+            </a:r>
+            <a:r>
+              <a:rPr lang="vi-VN" sz="2000" dirty="0">
+                <a:solidFill>
+                  <a:schemeClr val="bg1"/>
+                </a:solidFill>
+                <a:highlight>
+                  <a:srgbClr val="FFFF00"/>
+                </a:highlight>
+                <a:latin typeface="Calibri"/>
+                <a:ea typeface="Calibri"/>
+                <a:cs typeface="Times New Roman"/>
+              </a:rPr>
+              <a:t>kupce u drugim </a:t>
+            </a:r>
+            <a:r>
+              <a:rPr lang="vi-VN" sz="2000" dirty="0">
+                <a:solidFill>
+                  <a:schemeClr val="bg1"/>
+                </a:solidFill>
+                <a:highlight>
+                  <a:srgbClr val="FFFF00"/>
+                </a:highlight>
+                <a:latin typeface="Calibri"/>
+                <a:ea typeface="Calibri"/>
+                <a:cs typeface="Times New Roman"/>
+              </a:rPr>
+              <a:t>zemljam</a:t>
+            </a:r>
+            <a:r>
+              <a:rPr lang="vi-VN" sz="2000" dirty="0">
+                <a:solidFill>
+                  <a:schemeClr val="bg1"/>
+                </a:solidFill>
+                <a:highlight>
+                  <a:srgbClr val="FFFF00"/>
+                </a:highlight>
+                <a:latin typeface="Calibri"/>
+                <a:ea typeface="Calibri"/>
+                <a:cs typeface="Times New Roman"/>
+              </a:rPr>
+              <a:t>a</a:t>
+            </a:r>
+            <a:r>
+              <a:rPr lang="vi-VN" sz="2000" dirty="0" smtClean="0">
+                <a:latin typeface="Calibri" pitchFamily="34" charset="0"/>
+                <a:cs typeface="Calibri" pitchFamily="34" charset="0"/>
+              </a:rPr>
+              <a:t> i uključuju potrošače,</a:t>
             </a:r>
             <a:r>
               <a:rPr lang="hr-HR" sz="2000" dirty="0" smtClean="0">
@@ -38113,13 +38000,13 @@
   <p:clrMapOvr>
     <a:masterClrMapping/>
   </p:clrMapOvr>
-  <mc:AlternateContent xmlns:mc="http://schemas.openxmlformats.org/markup-compatibility/2006">
-    <mc:Choice xmlns:p14="http://schemas.microsoft.com/office/powerpoint/2010/main" Requires="p14">
+  <mc:AlternateContent xmlns:mc="http://schemas.openxmlformats.org/markup-compatibility/2006" xmlns:p14="http://schemas.microsoft.com/office/powerpoint/2010/main">
+    <mc:Choice Requires="p14">
       <p:transition>
         <p14:reveal/>
       </p:transition>
     </mc:Choice>
-    <mc:Fallback>
+    <mc:Fallback xmlns="">
       <p:transition>
         <p:fade/>
       </p:transition>
@@ -38252,24 +38139,15 @@
                                   </p:childTnLst>
                                 </p:cTn>
                               </p:par>
-                            </p:childTnLst>
-                          </p:cTn>
-                        </p:par>
-                        <p:par>
-                          <p:cTn id="13" fill="hold">
-                            <p:stCondLst>
-                              <p:cond delay="250"/>
-                            </p:stCondLst>
-                            <p:childTnLst>
                               <p:par>
-                                <p:cTn id="14" presetID="10" presetClass="entr" presetSubtype="0" fill="hold" grpId="0" nodeType="afterEffect">
+                                <p:cTn id="13" presetID="10" presetClass="entr" presetSubtype="0" fill="hold" grpId="0" nodeType="withEffect">
                                   <p:stCondLst>
                                     <p:cond delay="0"/>
                                   </p:stCondLst>
                                   <p:childTnLst>
                                     <p:set>
                                       <p:cBhvr>
-                                        <p:cTn id="15" dur="1" fill="hold">
+                                        <p:cTn id="14" dur="1" fill="hold">
                                           <p:stCondLst>
                                             <p:cond delay="0"/>
                                           </p:stCondLst>
@@ -38291,7 +38169,7 @@
                                     </p:set>
                                     <p:animEffect transition="in" filter="fade">
                                       <p:cBhvr>
-                                        <p:cTn id="16" dur="250"/>
+                                        <p:cTn id="15" dur="250"/>
                                         <p:tgtEl>
                                           <p:spTgt spid="2">
                                             <p:txEl>
@@ -38304,24 +38182,15 @@
                                   </p:childTnLst>
                                 </p:cTn>
                               </p:par>
-                            </p:childTnLst>
-                          </p:cTn>
-                        </p:par>
-                        <p:par>
-                          <p:cTn id="17" fill="hold">
-                            <p:stCondLst>
-                              <p:cond delay="500"/>
-                            </p:stCondLst>
-                            <p:childTnLst>
                               <p:par>
-                                <p:cTn id="18" presetID="10" presetClass="entr" presetSubtype="0" fill="hold" grpId="0" nodeType="afterEffect">
+                                <p:cTn id="16" presetID="10" presetClass="entr" presetSubtype="0" fill="hold" grpId="0" nodeType="withEffect">
                                   <p:stCondLst>
                                     <p:cond delay="0"/>
                                   </p:stCondLst>
                                   <p:childTnLst>
                                     <p:set>
                                       <p:cBhvr>
-                                        <p:cTn id="19" dur="1" fill="hold">
+                                        <p:cTn id="17" dur="1" fill="hold">
                                           <p:stCondLst>
                                             <p:cond delay="0"/>
                                           </p:stCondLst>
@@ -38343,7 +38212,7 @@
                                     </p:set>
                                     <p:animEffect transition="in" filter="fade">
                                       <p:cBhvr>
-                                        <p:cTn id="20" dur="250"/>
+                                        <p:cTn id="18" dur="250"/>
                                         <p:tgtEl>
                                           <p:spTgt spid="2">
                                             <p:txEl>
@@ -38356,23 +38225,57 @@
                                   </p:childTnLst>
                                 </p:cTn>
                               </p:par>
-                            </p:childTnLst>
-                          </p:cTn>
-                        </p:par>
-                        <p:par>
-                          <p:cTn id="21" fill="hold">
-                            <p:stCondLst>
-                              <p:cond delay="750"/>
-                            </p:stCondLst>
-                            <p:childTnLst>
                               <p:par>
-                                <p:cTn id="22" presetID="10" presetClass="entr" presetSubtype="0" fill="hold" grpId="0" nodeType="afterEffect">
+                                <p:cTn id="19" presetID="10" presetClass="entr" presetSubtype="0" fill="hold" grpId="0" nodeType="withEffect">
                                   <p:stCondLst>
                                     <p:cond delay="0"/>
                                   </p:stCondLst>
                                   <p:childTnLst>
                                     <p:set>
                                       <p:cBhvr>
+                                        <p:cTn id="20" dur="1" fill="hold">
+                                          <p:stCondLst>
+                                            <p:cond delay="0"/>
+                                          </p:stCondLst>
+                                        </p:cTn>
+                                        <p:tgtEl>
+                                          <p:spTgt spid="2">
+                                            <p:txEl>
+                                              <p:pRg st="4" end="4"/>
+                                            </p:txEl>
+                                          </p:spTgt>
+                                        </p:tgtEl>
+                                        <p:attrNameLst>
+                                          <p:attrName>style.visibility</p:attrName>
+                                        </p:attrNameLst>
+                                      </p:cBhvr>
+                                      <p:to>
+                                        <p:strVal val="visible"/>
+                                      </p:to>
+                                    </p:set>
+                                    <p:animEffect transition="in" filter="fade">
+                                      <p:cBhvr>
+                                        <p:cTn id="21" dur="250"/>
+                                        <p:tgtEl>
+                                          <p:spTgt spid="2">
+                                            <p:txEl>
+                                              <p:pRg st="4" end="4"/>
+                                            </p:txEl>
+                                          </p:spTgt>
+                                        </p:tgtEl>
+                                      </p:cBhvr>
+                                    </p:animEffect>
+                                  </p:childTnLst>
+                                </p:cTn>
+                              </p:par>
+                              <p:par>
+                                <p:cTn id="22" presetID="10" presetClass="entr" presetSubtype="0" fill="hold" grpId="0" nodeType="withEffect">
+                                  <p:stCondLst>
+                                    <p:cond delay="0"/>
+                                  </p:stCondLst>
+                                  <p:childTnLst>
+                                    <p:set>
+                                      <p:cBhvr>
                                         <p:cTn id="23" dur="1" fill="hold">
                                           <p:stCondLst>
                                             <p:cond delay="0"/>
@@ -38381,7 +38284,7 @@
                                         <p:tgtEl>
                                           <p:spTgt spid="2">
                                             <p:txEl>
-                                              <p:pRg st="4" end="4"/>
+                                              <p:pRg st="5" end="5"/>
                                             </p:txEl>
                                           </p:spTgt>
                                         </p:tgtEl>
@@ -38399,7 +38302,7 @@
                                         <p:tgtEl>
                                           <p:spTgt spid="2">
                                             <p:txEl>
-                                              <p:pRg st="4" end="4"/>
+                                              <p:pRg st="5" end="5"/>
                                             </p:txEl>
                                           </p:spTgt>
                                         </p:tgtEl>
@@ -38408,24 +38311,15 @@
                                   </p:childTnLst>
                                 </p:cTn>
                               </p:par>
-                            </p:childTnLst>
-                          </p:cTn>
-                        </p:par>
-                        <p:par>
-                          <p:cTn id="25" fill="hold">
-                            <p:stCondLst>
-                              <p:cond delay="1000"/>
-                            </p:stCondLst>
-                            <p:childTnLst>
                               <p:par>
-                                <p:cTn id="26" presetID="10" presetClass="entr" presetSubtype="0" fill="hold" grpId="0" nodeType="afterEffect">
+                                <p:cTn id="25" presetID="10" presetClass="entr" presetSubtype="0" fill="hold" grpId="0" nodeType="withEffect">
                                   <p:stCondLst>
                                     <p:cond delay="0"/>
                                   </p:stCondLst>
                                   <p:childTnLst>
                                     <p:set>
                                       <p:cBhvr>
-                                        <p:cTn id="27" dur="1" fill="hold">
+                                        <p:cTn id="26" dur="1" fill="hold">
                                           <p:stCondLst>
                                             <p:cond delay="0"/>
                                           </p:stCondLst>
@@ -38433,7 +38327,7 @@
                                         <p:tgtEl>
                                           <p:spTgt spid="2">
                                             <p:txEl>
-                                              <p:pRg st="5" end="5"/>
+                                              <p:pRg st="6" end="6"/>
                                             </p:txEl>
                                           </p:spTgt>
                                         </p:tgtEl>
@@ -38447,11 +38341,11 @@
                                     </p:set>
                                     <p:animEffect transition="in" filter="fade">
                                       <p:cBhvr>
-                                        <p:cTn id="28" dur="250"/>
+                                        <p:cTn id="27" dur="250"/>
                                         <p:tgtEl>
                                           <p:spTgt spid="2">
                                             <p:txEl>
-                                              <p:pRg st="5" end="5"/>
+                                              <p:pRg st="6" end="6"/>
                                             </p:txEl>
                                           </p:spTgt>
                                         </p:tgtEl>
@@ -38460,24 +38354,15 @@
                                   </p:childTnLst>
                                 </p:cTn>
                               </p:par>
-                            </p:childTnLst>
-                          </p:cTn>
-                        </p:par>
-                        <p:par>
-                          <p:cTn id="29" fill="hold">
-                            <p:stCondLst>
-                              <p:cond delay="1250"/>
-                            </p:stCondLst>
-                            <p:childTnLst>
                               <p:par>
-                                <p:cTn id="30" presetID="10" presetClass="entr" presetSubtype="0" fill="hold" grpId="0" nodeType="afterEffect">
+                                <p:cTn id="28" presetID="10" presetClass="entr" presetSubtype="0" fill="hold" grpId="0" nodeType="withEffect">
                                   <p:stCondLst>
                                     <p:cond delay="0"/>
                                   </p:stCondLst>
                                   <p:childTnLst>
                                     <p:set>
                                       <p:cBhvr>
-                                        <p:cTn id="31" dur="1" fill="hold">
+                                        <p:cTn id="29" dur="1" fill="hold">
                                           <p:stCondLst>
                                             <p:cond delay="0"/>
                                           </p:stCondLst>
@@ -38485,7 +38370,7 @@
                                         <p:tgtEl>
                                           <p:spTgt spid="2">
                                             <p:txEl>
-                                              <p:pRg st="6" end="6"/>
+                                              <p:pRg st="7" end="7"/>
                                             </p:txEl>
                                           </p:spTgt>
                                         </p:tgtEl>
@@ -38499,59 +38384,7 @@
                                     </p:set>
                                     <p:animEffect transition="in" filter="fade">
                                       <p:cBhvr>
-                                        <p:cTn id="32" dur="250"/>
-                                        <p:tgtEl>
-                                          <p:spTgt spid="2">
-                                            <p:txEl>
-                                              <p:pRg st="6" end="6"/>
-                                            </p:txEl>
-                                          </p:spTgt>
-                                        </p:tgtEl>
-                                      </p:cBhvr>
-                                    </p:animEffect>
-                                  </p:childTnLst>
-                                </p:cTn>
-                              </p:par>
-                            </p:childTnLst>
-                          </p:cTn>
-                        </p:par>
-                        <p:par>
-                          <p:cTn id="33" fill="hold">
-                            <p:stCondLst>
-                              <p:cond delay="1500"/>
-                            </p:stCondLst>
-                            <p:childTnLst>
-                              <p:par>
-                                <p:cTn id="34" presetID="10" presetClass="entr" presetSubtype="0" fill="hold" grpId="0" nodeType="afterEffect">
-                                  <p:stCondLst>
-                                    <p:cond delay="0"/>
-                                  </p:stCondLst>
-                                  <p:childTnLst>
-                                    <p:set>
-                                      <p:cBhvr>
-                                        <p:cTn id="35" dur="1" fill="hold">
-                                          <p:stCondLst>
-                                            <p:cond delay="0"/>
-                                          </p:stCondLst>
-                                        </p:cTn>
-                                        <p:tgtEl>
-                                          <p:spTgt spid="2">
-                                            <p:txEl>
-                                              <p:pRg st="7" end="7"/>
-                                            </p:txEl>
-                                          </p:spTgt>
-                                        </p:tgtEl>
-                                        <p:attrNameLst>
-                                          <p:attrName>style.visibility</p:attrName>
-                                        </p:attrNameLst>
-                                      </p:cBhvr>
-                                      <p:to>
-                                        <p:strVal val="visible"/>
-                                      </p:to>
-                                    </p:set>
-                                    <p:animEffect transition="in" filter="fade">
-                                      <p:cBhvr>
-                                        <p:cTn id="36" dur="250"/>
+                                        <p:cTn id="30" dur="250"/>
                                         <p:tgtEl>
                                           <p:spTgt spid="2">
                                             <p:txEl>
@@ -38571,26 +38404,26 @@
                     </p:cTn>
                   </p:par>
                   <p:par>
-                    <p:cTn id="37" fill="hold">
+                    <p:cTn id="31" fill="hold">
                       <p:stCondLst>
                         <p:cond delay="indefinite"/>
                       </p:stCondLst>
                       <p:childTnLst>
                         <p:par>
-                          <p:cTn id="38" fill="hold">
+                          <p:cTn id="32" fill="hold">
                             <p:stCondLst>
                               <p:cond delay="0"/>
                             </p:stCondLst>
                             <p:childTnLst>
                               <p:par>
-                                <p:cTn id="39" presetID="22" presetClass="entr" presetSubtype="8" fill="hold" grpId="0" nodeType="clickEffect">
+                                <p:cTn id="33" presetID="22" presetClass="entr" presetSubtype="8" fill="hold" grpId="0" nodeType="clickEffect">
                                   <p:stCondLst>
                                     <p:cond delay="0"/>
                                   </p:stCondLst>
                                   <p:childTnLst>
                                     <p:set>
                                       <p:cBhvr>
-                                        <p:cTn id="40" dur="1" fill="hold">
+                                        <p:cTn id="34" dur="1" fill="hold">
                                           <p:stCondLst>
                                             <p:cond delay="0"/>
                                           </p:stCondLst>
@@ -38612,7 +38445,7 @@
                                     </p:set>
                                     <p:animEffect transition="in" filter="wipe(left)">
                                       <p:cBhvr>
-                                        <p:cTn id="41" dur="250"/>
+                                        <p:cTn id="35" dur="250"/>
                                         <p:tgtEl>
                                           <p:spTgt spid="4">
                                             <p:txEl>
@@ -38632,26 +38465,26 @@
                     </p:cTn>
                   </p:par>
                   <p:par>
-                    <p:cTn id="42" fill="hold">
+                    <p:cTn id="36" fill="hold">
                       <p:stCondLst>
                         <p:cond delay="indefinite"/>
                       </p:stCondLst>
                       <p:childTnLst>
                         <p:par>
-                          <p:cTn id="43" fill="hold">
+                          <p:cTn id="37" fill="hold">
                             <p:stCondLst>
                               <p:cond delay="0"/>
                             </p:stCondLst>
                             <p:childTnLst>
                               <p:par>
-                                <p:cTn id="44" presetID="22" presetClass="entr" presetSubtype="8" fill="hold" grpId="0" nodeType="clickEffect">
+                                <p:cTn id="38" presetID="22" presetClass="entr" presetSubtype="8" fill="hold" grpId="0" nodeType="clickEffect">
                                   <p:stCondLst>
                                     <p:cond delay="0"/>
                                   </p:stCondLst>
                                   <p:childTnLst>
                                     <p:set>
                                       <p:cBhvr>
-                                        <p:cTn id="45" dur="1" fill="hold">
+                                        <p:cTn id="39" dur="1" fill="hold">
                                           <p:stCondLst>
                                             <p:cond delay="0"/>
                                           </p:stCondLst>
@@ -38673,7 +38506,7 @@
                                     </p:set>
                                     <p:animEffect transition="in" filter="wipe(left)">
                                       <p:cBhvr>
-                                        <p:cTn id="46" dur="250"/>
+                                        <p:cTn id="40" dur="250"/>
                                         <p:tgtEl>
                                           <p:spTgt spid="5">
                                             <p:txEl>
@@ -38693,26 +38526,26 @@
                     </p:cTn>
                   </p:par>
                   <p:par>
-                    <p:cTn id="47" fill="hold">
+                    <p:cTn id="41" fill="hold">
                       <p:stCondLst>
                         <p:cond delay="indefinite"/>
                       </p:stCondLst>
                       <p:childTnLst>
                         <p:par>
-                          <p:cTn id="48" fill="hold">
+                          <p:cTn id="42" fill="hold">
                             <p:stCondLst>
                               <p:cond delay="0"/>
                             </p:stCondLst>
                             <p:childTnLst>
                               <p:par>
-                                <p:cTn id="49" presetID="22" presetClass="entr" presetSubtype="8" fill="hold" grpId="0" nodeType="clickEffect">
+                                <p:cTn id="43" presetID="22" presetClass="entr" presetSubtype="8" fill="hold" grpId="0" nodeType="clickEffect">
                                   <p:stCondLst>
                                     <p:cond delay="0"/>
                                   </p:stCondLst>
                                   <p:childTnLst>
                                     <p:set>
                                       <p:cBhvr>
-                                        <p:cTn id="50" dur="1" fill="hold">
+                                        <p:cTn id="44" dur="1" fill="hold">
                                           <p:stCondLst>
                                             <p:cond delay="0"/>
                                           </p:stCondLst>
@@ -38734,7 +38567,7 @@
                                     </p:set>
                                     <p:animEffect transition="in" filter="wipe(left)">
                                       <p:cBhvr>
-                                        <p:cTn id="51" dur="250"/>
+                                        <p:cTn id="45" dur="250"/>
                                         <p:tgtEl>
                                           <p:spTgt spid="6">
                                             <p:txEl>
@@ -38754,26 +38587,26 @@
                     </p:cTn>
                   </p:par>
                   <p:par>
-                    <p:cTn id="52" fill="hold">
+                    <p:cTn id="46" fill="hold">
                       <p:stCondLst>
                         <p:cond delay="indefinite"/>
                       </p:stCondLst>
                       <p:childTnLst>
                         <p:par>
-                          <p:cTn id="53" fill="hold">
+                          <p:cTn id="47" fill="hold">
                             <p:stCondLst>
                               <p:cond delay="0"/>
                             </p:stCondLst>
                             <p:childTnLst>
                               <p:par>
-                                <p:cTn id="54" presetID="22" presetClass="entr" presetSubtype="8" fill="hold" grpId="0" nodeType="clickEffect">
+                                <p:cTn id="48" presetID="22" presetClass="entr" presetSubtype="8" fill="hold" grpId="0" nodeType="clickEffect">
                                   <p:stCondLst>
                                     <p:cond delay="0"/>
                                   </p:stCondLst>
                                   <p:childTnLst>
                                     <p:set>
                                       <p:cBhvr>
-                                        <p:cTn id="55" dur="1" fill="hold">
+                                        <p:cTn id="49" dur="1" fill="hold">
                                           <p:stCondLst>
                                             <p:cond delay="0"/>
                                           </p:stCondLst>
@@ -38795,7 +38628,7 @@
                                     </p:set>
                                     <p:animEffect transition="in" filter="wipe(left)">
                                       <p:cBhvr>
-                                        <p:cTn id="56" dur="250"/>
+                                        <p:cTn id="50" dur="250"/>
                                         <p:tgtEl>
                                           <p:spTgt spid="7">
                                             <p:txEl>
@@ -38815,26 +38648,26 @@
                     </p:cTn>
                   </p:par>
                   <p:par>
-                    <p:cTn id="57" fill="hold">
+                    <p:cTn id="51" fill="hold">
                       <p:stCondLst>
                         <p:cond delay="indefinite"/>
                       </p:stCondLst>
                       <p:childTnLst>
                         <p:par>
-                          <p:cTn id="58" fill="hold">
+                          <p:cTn id="52" fill="hold">
                             <p:stCondLst>
                               <p:cond delay="0"/>
                             </p:stCondLst>
                             <p:childTnLst>
                               <p:par>
-                                <p:cTn id="59" presetID="22" presetClass="entr" presetSubtype="8" fill="hold" grpId="0" nodeType="clickEffect">
+                                <p:cTn id="53" presetID="22" presetClass="entr" presetSubtype="8" fill="hold" grpId="0" nodeType="clickEffect">
                                   <p:stCondLst>
                                     <p:cond delay="0"/>
                                   </p:stCondLst>
                                   <p:childTnLst>
                                     <p:set>
                                       <p:cBhvr>
-                                        <p:cTn id="60" dur="1" fill="hold">
+                                        <p:cTn id="54" dur="1" fill="hold">
                                           <p:stCondLst>
                                             <p:cond delay="0"/>
                                           </p:stCondLst>
@@ -38856,7 +38689,7 @@
                                     </p:set>
                                     <p:animEffect transition="in" filter="wipe(left)">
                                       <p:cBhvr>
-                                        <p:cTn id="61" dur="250"/>
+                                        <p:cTn id="55" dur="250"/>
                                         <p:tgtEl>
                                           <p:spTgt spid="8">
                                             <p:txEl>
@@ -38876,26 +38709,26 @@
                     </p:cTn>
                   </p:par>
                   <p:par>
-                    <p:cTn id="62" fill="hold">
+                    <p:cTn id="56" fill="hold">
                       <p:stCondLst>
                         <p:cond delay="indefinite"/>
                       </p:stCondLst>
                       <p:childTnLst>
                         <p:par>
-                          <p:cTn id="63" fill="hold">
+                          <p:cTn id="57" fill="hold">
                             <p:stCondLst>
                               <p:cond delay="0"/>
                             </p:stCondLst>
                             <p:childTnLst>
                               <p:par>
-                                <p:cTn id="64" presetID="22" presetClass="entr" presetSubtype="8" fill="hold" grpId="0" nodeType="clickEffect">
+                                <p:cTn id="58" presetID="22" presetClass="entr" presetSubtype="8" fill="hold" grpId="0" nodeType="clickEffect">
                                   <p:stCondLst>
                                     <p:cond delay="0"/>
                                   </p:stCondLst>
                                   <p:childTnLst>
                                     <p:set>
                                       <p:cBhvr>
-                                        <p:cTn id="65" dur="1" fill="hold">
+                                        <p:cTn id="59" dur="1" fill="hold">
                                           <p:stCondLst>
                                             <p:cond delay="0"/>
                                           </p:stCondLst>
@@ -38917,7 +38750,7 @@
                                     </p:set>
                                     <p:animEffect transition="in" filter="wipe(left)">
                                       <p:cBhvr>
-                                        <p:cTn id="66" dur="250"/>
+                                        <p:cTn id="60" dur="250"/>
                                         <p:tgtEl>
                                           <p:spTgt spid="9">
                                             <p:txEl>
@@ -39021,7 +38854,21 @@
                   <a:prstClr val="white"/>
                 </a:solidFill>
               </a:rPr>
-              <a:t>utječu na tvrtku kako bi bila bolja i uspješnija od konkurencije stalnim poboljšanjem ponude i usluga</a:t>
+              <a:t>utječu na tvrtku kako bi bila bolja i uspješnija od konkurencije </a:t>
+            </a:r>
+            <a:r>
+              <a:rPr lang="hr-HR" sz="2600" dirty="0">
+                <a:solidFill>
+                  <a:schemeClr val="bg1"/>
+                </a:solidFill>
+                <a:highlight>
+                  <a:srgbClr val="FFFF00"/>
+                </a:highlight>
+                <a:latin typeface="Calibri"/>
+                <a:ea typeface="Calibri"/>
+                <a:cs typeface="Times New Roman"/>
+              </a:rPr>
+              <a:t>stalnim poboljšanjem ponude i usluga</a:t>
             </a:r>
           </a:p>
         </p:txBody>
@@ -39386,7 +39233,27 @@
                 <a:latin typeface="Calibri" pitchFamily="34" charset="0"/>
                 <a:cs typeface="Calibri" pitchFamily="34" charset="0"/>
               </a:rPr>
-              <a:t>primjer sa GMO pilećom salamom</a:t>
+              <a:t>primjer </a:t>
+            </a:r>
+            <a:r>
+              <a:rPr lang="hr-HR" sz="2600" i="1" baseline="0" dirty="0" smtClean="0">
+                <a:solidFill>
+                  <a:prstClr val="white"/>
+                </a:solidFill>
+                <a:latin typeface="Calibri" pitchFamily="34" charset="0"/>
+                <a:cs typeface="Calibri" pitchFamily="34" charset="0"/>
+              </a:rPr>
+              <a:t>s </a:t>
+            </a:r>
+            <a:r>
+              <a:rPr lang="hr-HR" sz="2600" i="1" baseline="0" dirty="0" smtClean="0">
+                <a:solidFill>
+                  <a:prstClr val="white"/>
+                </a:solidFill>
+                <a:latin typeface="Calibri" pitchFamily="34" charset="0"/>
+                <a:cs typeface="Calibri" pitchFamily="34" charset="0"/>
+              </a:rPr>
+              <a:t>GMO pilećom salamom</a:t>
             </a:r>
             <a:endParaRPr kumimoji="0" lang="hr-HR" sz="2600" b="0" i="1" u="none" strike="noStrike" kern="1200" cap="none" spc="0" normalizeH="0" baseline="0" noProof="0" dirty="0" smtClean="0">
               <a:ln>
@@ -39408,13 +39275,13 @@
   <p:clrMapOvr>
     <a:masterClrMapping/>
   </p:clrMapOvr>
-  <mc:AlternateContent xmlns:mc="http://schemas.openxmlformats.org/markup-compatibility/2006">
-    <mc:Choice xmlns:p14="http://schemas.microsoft.com/office/powerpoint/2010/main" Requires="p14">
+  <mc:AlternateContent xmlns:mc="http://schemas.openxmlformats.org/markup-compatibility/2006" xmlns:p14="http://schemas.microsoft.com/office/powerpoint/2010/main">
+    <mc:Choice Requires="p14">
       <p:transition>
         <p14:reveal/>
       </p:transition>
     </mc:Choice>
-    <mc:Fallback>
+    <mc:Fallback xmlns="">
       <p:transition>
         <p:fade/>
       </p:transition>
